--- a/STAT_CS187  Final Project_  Sleeping Separately.pptx
+++ b/STAT_CS187  Final Project_  Sleeping Separately.pptx
@@ -22,23 +22,24 @@
     <p:sldId id="267" r:id="rId17"/>
     <p:sldId id="268" r:id="rId18"/>
     <p:sldId id="269" r:id="rId19"/>
+    <p:sldId id="270" r:id="rId20"/>
   </p:sldIdLst>
   <p:sldSz cy="5143500" cx="9144000"/>
   <p:notesSz cx="6858000" cy="9144000"/>
   <p:embeddedFontLst>
     <p:embeddedFont>
       <p:font typeface="Montserrat"/>
-      <p:regular r:id="rId20"/>
-      <p:bold r:id="rId21"/>
-      <p:italic r:id="rId22"/>
-      <p:boldItalic r:id="rId23"/>
+      <p:regular r:id="rId21"/>
+      <p:bold r:id="rId22"/>
+      <p:italic r:id="rId23"/>
+      <p:boldItalic r:id="rId24"/>
     </p:embeddedFont>
     <p:embeddedFont>
       <p:font typeface="Lato"/>
-      <p:regular r:id="rId24"/>
-      <p:bold r:id="rId25"/>
-      <p:italic r:id="rId26"/>
-      <p:boldItalic r:id="rId27"/>
+      <p:regular r:id="rId25"/>
+      <p:bold r:id="rId26"/>
+      <p:italic r:id="rId27"/>
+      <p:boldItalic r:id="rId28"/>
     </p:embeddedFont>
   </p:embeddedFontLst>
   <p:defaultTextStyle>
@@ -833,7 +834,7 @@
       </p:grpSpPr>
       <p:sp>
         <p:nvSpPr>
-          <p:cNvPr id="178" name="Google Shape;178;g129d6fbdb1c_0_9:notes"/>
+          <p:cNvPr id="178" name="Google Shape;178;g11c150a5f28_0_171:notes"/>
           <p:cNvSpPr/>
           <p:nvPr>
             <p:ph idx="2" type="sldImg"/>
@@ -868,7 +869,7 @@
       </p:sp>
       <p:sp>
         <p:nvSpPr>
-          <p:cNvPr id="179" name="Google Shape;179;g129d6fbdb1c_0_9:notes"/>
+          <p:cNvPr id="179" name="Google Shape;179;g11c150a5f28_0_171:notes"/>
           <p:cNvSpPr txBox="1"/>
           <p:nvPr>
             <p:ph idx="1" type="body"/>
@@ -932,7 +933,7 @@
       </p:grpSpPr>
       <p:sp>
         <p:nvSpPr>
-          <p:cNvPr id="183" name="Google Shape;183;g11c150a5f28_0_174:notes"/>
+          <p:cNvPr id="183" name="Google Shape;183;g129d6fbdb1c_0_9:notes"/>
           <p:cNvSpPr/>
           <p:nvPr>
             <p:ph idx="2" type="sldImg"/>
@@ -967,7 +968,7 @@
       </p:sp>
       <p:sp>
         <p:nvSpPr>
-          <p:cNvPr id="184" name="Google Shape;184;g11c150a5f28_0_174:notes"/>
+          <p:cNvPr id="184" name="Google Shape;184;g129d6fbdb1c_0_9:notes"/>
           <p:cNvSpPr txBox="1"/>
           <p:nvPr>
             <p:ph idx="1" type="body"/>
@@ -1031,7 +1032,7 @@
       </p:grpSpPr>
       <p:sp>
         <p:nvSpPr>
-          <p:cNvPr id="188" name="Google Shape;188;g11c150a5f28_0_139:notes"/>
+          <p:cNvPr id="188" name="Google Shape;188;g11c150a5f28_0_174:notes"/>
           <p:cNvSpPr/>
           <p:nvPr>
             <p:ph idx="2" type="sldImg"/>
@@ -1066,7 +1067,7 @@
       </p:sp>
       <p:sp>
         <p:nvSpPr>
-          <p:cNvPr id="189" name="Google Shape;189;g11c150a5f28_0_139:notes"/>
+          <p:cNvPr id="189" name="Google Shape;189;g11c150a5f28_0_174:notes"/>
           <p:cNvSpPr txBox="1"/>
           <p:nvPr>
             <p:ph idx="1" type="body"/>
@@ -1130,7 +1131,7 @@
       </p:grpSpPr>
       <p:sp>
         <p:nvSpPr>
-          <p:cNvPr id="193" name="Google Shape;193;g11c150a5f28_0_178:notes"/>
+          <p:cNvPr id="193" name="Google Shape;193;g11c150a5f28_0_139:notes"/>
           <p:cNvSpPr/>
           <p:nvPr>
             <p:ph idx="2" type="sldImg"/>
@@ -1165,7 +1166,7 @@
       </p:sp>
       <p:sp>
         <p:nvSpPr>
-          <p:cNvPr id="194" name="Google Shape;194;g11c150a5f28_0_178:notes"/>
+          <p:cNvPr id="194" name="Google Shape;194;g11c150a5f28_0_139:notes"/>
           <p:cNvSpPr txBox="1"/>
           <p:nvPr>
             <p:ph idx="1" type="body"/>
@@ -1229,7 +1230,7 @@
       </p:grpSpPr>
       <p:sp>
         <p:nvSpPr>
-          <p:cNvPr id="198" name="Google Shape;198;g11c150a5f28_0_143:notes"/>
+          <p:cNvPr id="198" name="Google Shape;198;g11c150a5f28_0_178:notes"/>
           <p:cNvSpPr/>
           <p:nvPr>
             <p:ph idx="2" type="sldImg"/>
@@ -1264,7 +1265,106 @@
       </p:sp>
       <p:sp>
         <p:nvSpPr>
-          <p:cNvPr id="199" name="Google Shape;199;g11c150a5f28_0_143:notes"/>
+          <p:cNvPr id="199" name="Google Shape;199;g11c150a5f28_0_178:notes"/>
+          <p:cNvSpPr txBox="1"/>
+          <p:nvPr>
+            <p:ph idx="1" type="body"/>
+          </p:nvPr>
+        </p:nvSpPr>
+        <p:spPr>
+          <a:xfrm>
+            <a:off x="685800" y="4343400"/>
+            <a:ext cx="5486400" cy="4114800"/>
+          </a:xfrm>
+          <a:prstGeom prst="rect">
+            <a:avLst/>
+          </a:prstGeom>
+        </p:spPr>
+        <p:txBody>
+          <a:bodyPr anchorCtr="0" anchor="t" bIns="91425" lIns="91425" spcFirstLastPara="1" rIns="91425" wrap="square" tIns="91425">
+            <a:noAutofit/>
+          </a:bodyPr>
+          <a:lstStyle/>
+          <a:p>
+            <a:pPr indent="0" lvl="0" marL="0" rtl="0" algn="l">
+              <a:spcBef>
+                <a:spcPts val="0"/>
+              </a:spcBef>
+              <a:spcAft>
+                <a:spcPts val="0"/>
+              </a:spcAft>
+              <a:buNone/>
+            </a:pPr>
+            <a:r>
+              <a:t/>
+            </a:r>
+            <a:endParaRPr/>
+          </a:p>
+        </p:txBody>
+      </p:sp>
+    </p:spTree>
+  </p:cSld>
+  <p:clrMapOvr>
+    <a:masterClrMapping/>
+  </p:clrMapOvr>
+</p:notes>
+</file>
+
+<file path=ppt/notesSlides/notesSlide15.xml><?xml version="1.0" encoding="utf-8"?>
+<p:notes xmlns:a="http://schemas.openxmlformats.org/drawingml/2006/main" xmlns:r="http://schemas.openxmlformats.org/officeDocument/2006/relationships" xmlns:mc="http://schemas.openxmlformats.org/markup-compatibility/2006" xmlns:mv="urn:schemas-microsoft-com:mac:vml" xmlns:p="http://schemas.openxmlformats.org/presentationml/2006/main" xmlns:c="http://schemas.openxmlformats.org/drawingml/2006/chart" xmlns:dgm="http://schemas.openxmlformats.org/drawingml/2006/diagram" xmlns:o="urn:schemas-microsoft-com:office:office" xmlns:v="urn:schemas-microsoft-com:vml" xmlns:pvml="urn:schemas-microsoft-com:office:powerpoint" xmlns:com="http://schemas.openxmlformats.org/drawingml/2006/compatibility" xmlns:p14="http://schemas.microsoft.com/office/powerpoint/2010/main" xmlns:p15="http://schemas.microsoft.com/office/powerpoint/2012/main" xmlns:ahyp="http://schemas.microsoft.com/office/drawing/2018/hyperlinkcolor" showMasterPhAnim="0" showMasterSp="0">
+  <p:cSld>
+    <p:spTree>
+      <p:nvGrpSpPr>
+        <p:cNvPr id="202" name="Shape 202"/>
+        <p:cNvGrpSpPr/>
+        <p:nvPr/>
+      </p:nvGrpSpPr>
+      <p:grpSpPr>
+        <a:xfrm>
+          <a:off x="0" y="0"/>
+          <a:ext cx="0" cy="0"/>
+          <a:chOff x="0" y="0"/>
+          <a:chExt cx="0" cy="0"/>
+        </a:xfrm>
+      </p:grpSpPr>
+      <p:sp>
+        <p:nvSpPr>
+          <p:cNvPr id="203" name="Google Shape;203;g11c150a5f28_0_143:notes"/>
+          <p:cNvSpPr/>
+          <p:nvPr>
+            <p:ph idx="2" type="sldImg"/>
+          </p:nvPr>
+        </p:nvSpPr>
+        <p:spPr>
+          <a:xfrm>
+            <a:off x="381300" y="685800"/>
+            <a:ext cx="6096000" cy="3429000"/>
+          </a:xfrm>
+          <a:custGeom>
+            <a:rect b="b" l="l" r="r" t="t"/>
+            <a:pathLst>
+              <a:path extrusionOk="0" h="120000" w="120000">
+                <a:moveTo>
+                  <a:pt x="0" y="0"/>
+                </a:moveTo>
+                <a:lnTo>
+                  <a:pt x="120000" y="0"/>
+                </a:lnTo>
+                <a:lnTo>
+                  <a:pt x="120000" y="120000"/>
+                </a:lnTo>
+                <a:lnTo>
+                  <a:pt x="0" y="120000"/>
+                </a:lnTo>
+                <a:close/>
+              </a:path>
+            </a:pathLst>
+          </a:custGeom>
+        </p:spPr>
+      </p:sp>
+      <p:sp>
+        <p:nvSpPr>
+          <p:cNvPr id="204" name="Google Shape;204;g11c150a5f28_0_143:notes"/>
           <p:cNvSpPr txBox="1"/>
           <p:nvPr>
             <p:ph idx="1" type="body"/>
@@ -1427,7 +1527,7 @@
       </p:grpSpPr>
       <p:sp>
         <p:nvSpPr>
-          <p:cNvPr id="143" name="Google Shape;143;g11c150a5f28_0_158:notes"/>
+          <p:cNvPr id="143" name="Google Shape;143;g11c34585a42_0_0:notes"/>
           <p:cNvSpPr/>
           <p:nvPr>
             <p:ph idx="2" type="sldImg"/>
@@ -1462,7 +1562,7 @@
       </p:sp>
       <p:sp>
         <p:nvSpPr>
-          <p:cNvPr id="144" name="Google Shape;144;g11c150a5f28_0_158:notes"/>
+          <p:cNvPr id="144" name="Google Shape;144;g11c34585a42_0_0:notes"/>
           <p:cNvSpPr txBox="1"/>
           <p:nvPr>
             <p:ph idx="1" type="body"/>
@@ -1526,7 +1626,7 @@
       </p:grpSpPr>
       <p:sp>
         <p:nvSpPr>
-          <p:cNvPr id="148" name="Google Shape;148;g11c150a5f28_0_153:notes"/>
+          <p:cNvPr id="148" name="Google Shape;148;g11c150a5f28_0_158:notes"/>
           <p:cNvSpPr/>
           <p:nvPr>
             <p:ph idx="2" type="sldImg"/>
@@ -1561,7 +1661,7 @@
       </p:sp>
       <p:sp>
         <p:nvSpPr>
-          <p:cNvPr id="149" name="Google Shape;149;g11c150a5f28_0_153:notes"/>
+          <p:cNvPr id="149" name="Google Shape;149;g11c150a5f28_0_158:notes"/>
           <p:cNvSpPr txBox="1"/>
           <p:nvPr>
             <p:ph idx="1" type="body"/>
@@ -1625,7 +1725,7 @@
       </p:grpSpPr>
       <p:sp>
         <p:nvSpPr>
-          <p:cNvPr id="153" name="Google Shape;153;g11c150a5f28_0_162:notes"/>
+          <p:cNvPr id="153" name="Google Shape;153;g11c150a5f28_0_153:notes"/>
           <p:cNvSpPr/>
           <p:nvPr>
             <p:ph idx="2" type="sldImg"/>
@@ -1660,7 +1760,7 @@
       </p:sp>
       <p:sp>
         <p:nvSpPr>
-          <p:cNvPr id="154" name="Google Shape;154;g11c150a5f28_0_162:notes"/>
+          <p:cNvPr id="154" name="Google Shape;154;g11c150a5f28_0_153:notes"/>
           <p:cNvSpPr txBox="1"/>
           <p:nvPr>
             <p:ph idx="1" type="body"/>
@@ -1724,7 +1824,7 @@
       </p:grpSpPr>
       <p:sp>
         <p:nvSpPr>
-          <p:cNvPr id="158" name="Google Shape;158;g11c150a5f28_0_167:notes"/>
+          <p:cNvPr id="158" name="Google Shape;158;g11c150a5f28_0_162:notes"/>
           <p:cNvSpPr/>
           <p:nvPr>
             <p:ph idx="2" type="sldImg"/>
@@ -1759,7 +1859,7 @@
       </p:sp>
       <p:sp>
         <p:nvSpPr>
-          <p:cNvPr id="159" name="Google Shape;159;g11c150a5f28_0_167:notes"/>
+          <p:cNvPr id="159" name="Google Shape;159;g11c150a5f28_0_162:notes"/>
           <p:cNvSpPr txBox="1"/>
           <p:nvPr>
             <p:ph idx="1" type="body"/>
@@ -1823,7 +1923,7 @@
       </p:grpSpPr>
       <p:sp>
         <p:nvSpPr>
-          <p:cNvPr id="163" name="Google Shape;163;g11c150a5f28_0_135:notes"/>
+          <p:cNvPr id="163" name="Google Shape;163;g11c150a5f28_0_167:notes"/>
           <p:cNvSpPr/>
           <p:nvPr>
             <p:ph idx="2" type="sldImg"/>
@@ -1858,7 +1958,7 @@
       </p:sp>
       <p:sp>
         <p:nvSpPr>
-          <p:cNvPr id="164" name="Google Shape;164;g11c150a5f28_0_135:notes"/>
+          <p:cNvPr id="164" name="Google Shape;164;g11c150a5f28_0_167:notes"/>
           <p:cNvSpPr txBox="1"/>
           <p:nvPr>
             <p:ph idx="1" type="body"/>
@@ -1922,7 +2022,7 @@
       </p:grpSpPr>
       <p:sp>
         <p:nvSpPr>
-          <p:cNvPr id="168" name="Google Shape;168;g129d6fbdb1c_0_0:notes"/>
+          <p:cNvPr id="168" name="Google Shape;168;g11c150a5f28_0_135:notes"/>
           <p:cNvSpPr/>
           <p:nvPr>
             <p:ph idx="2" type="sldImg"/>
@@ -1957,7 +2057,7 @@
       </p:sp>
       <p:sp>
         <p:nvSpPr>
-          <p:cNvPr id="169" name="Google Shape;169;g129d6fbdb1c_0_0:notes"/>
+          <p:cNvPr id="169" name="Google Shape;169;g11c150a5f28_0_135:notes"/>
           <p:cNvSpPr txBox="1"/>
           <p:nvPr>
             <p:ph idx="1" type="body"/>
@@ -2021,7 +2121,7 @@
       </p:grpSpPr>
       <p:sp>
         <p:nvSpPr>
-          <p:cNvPr id="173" name="Google Shape;173;g11c150a5f28_0_171:notes"/>
+          <p:cNvPr id="173" name="Google Shape;173;g129d6fbdb1c_0_0:notes"/>
           <p:cNvSpPr/>
           <p:nvPr>
             <p:ph idx="2" type="sldImg"/>
@@ -2056,7 +2156,7 @@
       </p:sp>
       <p:sp>
         <p:nvSpPr>
-          <p:cNvPr id="174" name="Google Shape;174;g11c150a5f28_0_171:notes"/>
+          <p:cNvPr id="174" name="Google Shape;174;g129d6fbdb1c_0_0:notes"/>
           <p:cNvSpPr txBox="1"/>
           <p:nvPr>
             <p:ph idx="1" type="body"/>
@@ -10454,8 +10554,8 @@
         </p:blipFill>
         <p:spPr>
           <a:xfrm>
-            <a:off x="0" y="0"/>
-            <a:ext cx="6152970" cy="5143500"/>
+            <a:off x="0" y="23275"/>
+            <a:ext cx="8445124" cy="5096938"/>
           </a:xfrm>
           <a:prstGeom prst="rect">
             <a:avLst/>
@@ -10491,62 +10591,34 @@
           <a:chExt cx="0" cy="0"/>
         </a:xfrm>
       </p:grpSpPr>
-      <p:sp>
-        <p:nvSpPr>
+      <p:pic>
+        <p:nvPicPr>
           <p:cNvPr id="186" name="Google Shape;186;p23"/>
-          <p:cNvSpPr txBox="1"/>
-          <p:nvPr>
-            <p:ph type="title"/>
-          </p:nvPr>
-        </p:nvSpPr>
+          <p:cNvPicPr preferRelativeResize="0"/>
+          <p:nvPr/>
+        </p:nvPicPr>
+        <p:blipFill>
+          <a:blip r:embed="rId3">
+            <a:alphaModFix/>
+          </a:blip>
+          <a:stretch>
+            <a:fillRect/>
+          </a:stretch>
+        </p:blipFill>
         <p:spPr>
           <a:xfrm>
-            <a:off x="428900" y="2053000"/>
-            <a:ext cx="5269500" cy="1148700"/>
+            <a:off x="0" y="0"/>
+            <a:ext cx="6152970" cy="5143500"/>
           </a:xfrm>
           <a:prstGeom prst="rect">
             <a:avLst/>
           </a:prstGeom>
+          <a:noFill/>
+          <a:ln>
+            <a:noFill/>
+          </a:ln>
         </p:spPr>
-        <p:txBody>
-          <a:bodyPr anchorCtr="0" anchor="ctr" bIns="91425" lIns="91425" spcFirstLastPara="1" rIns="91425" wrap="square" tIns="91425">
-            <a:normAutofit/>
-          </a:bodyPr>
-          <a:lstStyle/>
-          <a:p>
-            <a:pPr indent="0" lvl="0" marL="0" rtl="0" algn="ctr">
-              <a:spcBef>
-                <a:spcPts val="0"/>
-              </a:spcBef>
-              <a:spcAft>
-                <a:spcPts val="0"/>
-              </a:spcAft>
-              <a:buNone/>
-            </a:pPr>
-            <a:r>
-              <a:rPr lang="en" sz="2400"/>
-              <a:t>Reasons for Sleeping </a:t>
-            </a:r>
-            <a:endParaRPr sz="2400"/>
-          </a:p>
-          <a:p>
-            <a:pPr indent="0" lvl="0" marL="0" rtl="0" algn="ctr">
-              <a:spcBef>
-                <a:spcPts val="0"/>
-              </a:spcBef>
-              <a:spcAft>
-                <a:spcPts val="0"/>
-              </a:spcAft>
-              <a:buNone/>
-            </a:pPr>
-            <a:r>
-              <a:rPr lang="en" sz="2400"/>
-              <a:t>Separately</a:t>
-            </a:r>
-            <a:endParaRPr sz="2400"/>
-          </a:p>
-        </p:txBody>
-      </p:sp>
+      </p:pic>
     </p:spTree>
   </p:cSld>
   <p:clrMapOvr>
@@ -10572,34 +10644,62 @@
           <a:chExt cx="0" cy="0"/>
         </a:xfrm>
       </p:grpSpPr>
-      <p:pic>
-        <p:nvPicPr>
+      <p:sp>
+        <p:nvSpPr>
           <p:cNvPr id="191" name="Google Shape;191;p24"/>
-          <p:cNvPicPr preferRelativeResize="0"/>
-          <p:nvPr/>
-        </p:nvPicPr>
-        <p:blipFill>
-          <a:blip r:embed="rId3">
-            <a:alphaModFix/>
-          </a:blip>
-          <a:stretch>
-            <a:fillRect/>
-          </a:stretch>
-        </p:blipFill>
+          <p:cNvSpPr txBox="1"/>
+          <p:nvPr>
+            <p:ph type="title"/>
+          </p:nvPr>
+        </p:nvSpPr>
         <p:spPr>
           <a:xfrm>
-            <a:off x="1058087" y="152400"/>
-            <a:ext cx="7027826" cy="4838699"/>
+            <a:off x="428900" y="2053000"/>
+            <a:ext cx="5269500" cy="1148700"/>
           </a:xfrm>
           <a:prstGeom prst="rect">
             <a:avLst/>
           </a:prstGeom>
-          <a:noFill/>
-          <a:ln>
-            <a:noFill/>
-          </a:ln>
         </p:spPr>
-      </p:pic>
+        <p:txBody>
+          <a:bodyPr anchorCtr="0" anchor="ctr" bIns="91425" lIns="91425" spcFirstLastPara="1" rIns="91425" wrap="square" tIns="91425">
+            <a:normAutofit fontScale="90000"/>
+          </a:bodyPr>
+          <a:lstStyle/>
+          <a:p>
+            <a:pPr indent="0" lvl="0" marL="0" rtl="0" algn="ctr">
+              <a:spcBef>
+                <a:spcPts val="0"/>
+              </a:spcBef>
+              <a:spcAft>
+                <a:spcPts val="0"/>
+              </a:spcAft>
+              <a:buNone/>
+            </a:pPr>
+            <a:r>
+              <a:rPr lang="en" sz="2400"/>
+              <a:t>Frequency Sleeping Separately: Reasons for Sleeping </a:t>
+            </a:r>
+            <a:endParaRPr sz="2400"/>
+          </a:p>
+          <a:p>
+            <a:pPr indent="0" lvl="0" marL="0" rtl="0" algn="ctr">
+              <a:spcBef>
+                <a:spcPts val="0"/>
+              </a:spcBef>
+              <a:spcAft>
+                <a:spcPts val="0"/>
+              </a:spcAft>
+              <a:buNone/>
+            </a:pPr>
+            <a:r>
+              <a:rPr lang="en" sz="2400"/>
+              <a:t>Separately</a:t>
+            </a:r>
+            <a:endParaRPr sz="2400"/>
+          </a:p>
+        </p:txBody>
+      </p:sp>
     </p:spTree>
   </p:cSld>
   <p:clrMapOvr>
@@ -10641,8 +10741,8 @@
         </p:blipFill>
         <p:spPr>
           <a:xfrm>
-            <a:off x="1048463" y="152400"/>
-            <a:ext cx="7047073" cy="4838701"/>
+            <a:off x="1058087" y="152400"/>
+            <a:ext cx="7027826" cy="4838699"/>
           </a:xfrm>
           <a:prstGeom prst="rect">
             <a:avLst/>
@@ -10678,9 +10778,62 @@
           <a:chExt cx="0" cy="0"/>
         </a:xfrm>
       </p:grpSpPr>
+      <p:pic>
+        <p:nvPicPr>
+          <p:cNvPr id="201" name="Google Shape;201;p26"/>
+          <p:cNvPicPr preferRelativeResize="0"/>
+          <p:nvPr/>
+        </p:nvPicPr>
+        <p:blipFill>
+          <a:blip r:embed="rId3">
+            <a:alphaModFix/>
+          </a:blip>
+          <a:stretch>
+            <a:fillRect/>
+          </a:stretch>
+        </p:blipFill>
+        <p:spPr>
+          <a:xfrm>
+            <a:off x="1048463" y="152400"/>
+            <a:ext cx="7047073" cy="4838701"/>
+          </a:xfrm>
+          <a:prstGeom prst="rect">
+            <a:avLst/>
+          </a:prstGeom>
+          <a:noFill/>
+          <a:ln>
+            <a:noFill/>
+          </a:ln>
+        </p:spPr>
+      </p:pic>
+    </p:spTree>
+  </p:cSld>
+  <p:clrMapOvr>
+    <a:masterClrMapping/>
+  </p:clrMapOvr>
+</p:sld>
+</file>
+
+<file path=ppt/slides/slide15.xml><?xml version="1.0" encoding="utf-8"?>
+<p:sld xmlns:a="http://schemas.openxmlformats.org/drawingml/2006/main" xmlns:r="http://schemas.openxmlformats.org/officeDocument/2006/relationships" xmlns:mc="http://schemas.openxmlformats.org/markup-compatibility/2006" xmlns:mv="urn:schemas-microsoft-com:mac:vml" xmlns:p="http://schemas.openxmlformats.org/presentationml/2006/main" xmlns:c="http://schemas.openxmlformats.org/drawingml/2006/chart" xmlns:dgm="http://schemas.openxmlformats.org/drawingml/2006/diagram" xmlns:o="urn:schemas-microsoft-com:office:office" xmlns:v="urn:schemas-microsoft-com:vml" xmlns:pvml="urn:schemas-microsoft-com:office:powerpoint" xmlns:com="http://schemas.openxmlformats.org/drawingml/2006/compatibility" xmlns:p14="http://schemas.microsoft.com/office/powerpoint/2010/main" xmlns:p15="http://schemas.microsoft.com/office/powerpoint/2012/main" xmlns:ahyp="http://schemas.microsoft.com/office/drawing/2018/hyperlinkcolor">
+  <p:cSld>
+    <p:spTree>
+      <p:nvGrpSpPr>
+        <p:cNvPr id="205" name="Shape 205"/>
+        <p:cNvGrpSpPr/>
+        <p:nvPr/>
+      </p:nvGrpSpPr>
+      <p:grpSpPr>
+        <a:xfrm>
+          <a:off x="0" y="0"/>
+          <a:ext cx="0" cy="0"/>
+          <a:chOff x="0" y="0"/>
+          <a:chExt cx="0" cy="0"/>
+        </a:xfrm>
+      </p:grpSpPr>
       <p:sp>
         <p:nvSpPr>
-          <p:cNvPr id="201" name="Google Shape;201;p26"/>
+          <p:cNvPr id="206" name="Google Shape;206;p27"/>
           <p:cNvSpPr txBox="1"/>
           <p:nvPr>
             <p:ph type="title"/>
@@ -10720,7 +10873,7 @@
       </p:sp>
       <p:sp>
         <p:nvSpPr>
-          <p:cNvPr id="202" name="Google Shape;202;p26"/>
+          <p:cNvPr id="207" name="Google Shape;207;p27"/>
           <p:cNvSpPr txBox="1"/>
           <p:nvPr>
             <p:ph idx="1" type="body"/>
@@ -11112,51 +11265,34 @@
           <a:chExt cx="0" cy="0"/>
         </a:xfrm>
       </p:grpSpPr>
-      <p:sp>
-        <p:nvSpPr>
+      <p:pic>
+        <p:nvPicPr>
           <p:cNvPr id="146" name="Google Shape;146;p15"/>
-          <p:cNvSpPr txBox="1"/>
-          <p:nvPr>
-            <p:ph type="title"/>
-          </p:nvPr>
-        </p:nvSpPr>
+          <p:cNvPicPr preferRelativeResize="0"/>
+          <p:nvPr/>
+        </p:nvPicPr>
+        <p:blipFill>
+          <a:blip r:embed="rId3">
+            <a:alphaModFix/>
+          </a:blip>
+          <a:stretch>
+            <a:fillRect/>
+          </a:stretch>
+        </p:blipFill>
         <p:spPr>
           <a:xfrm>
-            <a:off x="739225" y="2053000"/>
-            <a:ext cx="4808700" cy="1148700"/>
+            <a:off x="0" y="328966"/>
+            <a:ext cx="9143999" cy="4485560"/>
           </a:xfrm>
           <a:prstGeom prst="rect">
             <a:avLst/>
           </a:prstGeom>
+          <a:noFill/>
+          <a:ln>
+            <a:noFill/>
+          </a:ln>
         </p:spPr>
-        <p:txBody>
-          <a:bodyPr anchorCtr="0" anchor="ctr" bIns="91425" lIns="91425" spcFirstLastPara="1" rIns="91425" wrap="square" tIns="91425">
-            <a:normAutofit/>
-          </a:bodyPr>
-          <a:lstStyle/>
-          <a:p>
-            <a:pPr indent="0" lvl="0" marL="0" rtl="0" algn="l">
-              <a:spcBef>
-                <a:spcPts val="0"/>
-              </a:spcBef>
-              <a:spcAft>
-                <a:spcPts val="0"/>
-              </a:spcAft>
-              <a:buClr>
-                <a:srgbClr val="000000"/>
-              </a:buClr>
-              <a:buSzPts val="990"/>
-              <a:buFont typeface="Arial"/>
-              <a:buNone/>
-            </a:pPr>
-            <a:r>
-              <a:rPr lang="en" sz="2400"/>
-              <a:t>Relationship Length and Age</a:t>
-            </a:r>
-            <a:endParaRPr sz="2400"/>
-          </a:p>
-        </p:txBody>
-      </p:sp>
+      </p:pic>
     </p:spTree>
   </p:cSld>
   <p:clrMapOvr>
@@ -11182,34 +11318,55 @@
           <a:chExt cx="0" cy="0"/>
         </a:xfrm>
       </p:grpSpPr>
-      <p:pic>
-        <p:nvPicPr>
+      <p:sp>
+        <p:nvSpPr>
           <p:cNvPr id="151" name="Google Shape;151;p16"/>
-          <p:cNvPicPr preferRelativeResize="0"/>
-          <p:nvPr/>
-        </p:nvPicPr>
-        <p:blipFill>
-          <a:blip r:embed="rId3">
-            <a:alphaModFix/>
-          </a:blip>
-          <a:stretch>
-            <a:fillRect/>
-          </a:stretch>
-        </p:blipFill>
+          <p:cNvSpPr txBox="1"/>
+          <p:nvPr>
+            <p:ph type="title"/>
+          </p:nvPr>
+        </p:nvSpPr>
         <p:spPr>
           <a:xfrm>
-            <a:off x="1485187" y="0"/>
-            <a:ext cx="6173635" cy="5143500"/>
+            <a:off x="739225" y="2053000"/>
+            <a:ext cx="4808700" cy="1148700"/>
           </a:xfrm>
           <a:prstGeom prst="rect">
             <a:avLst/>
           </a:prstGeom>
-          <a:noFill/>
-          <a:ln>
-            <a:noFill/>
-          </a:ln>
         </p:spPr>
-      </p:pic>
+        <p:txBody>
+          <a:bodyPr anchorCtr="0" anchor="ctr" bIns="91425" lIns="91425" spcFirstLastPara="1" rIns="91425" wrap="square" tIns="91425">
+            <a:normAutofit fontScale="90000"/>
+          </a:bodyPr>
+          <a:lstStyle/>
+          <a:p>
+            <a:pPr indent="0" lvl="0" marL="0" rtl="0" algn="l">
+              <a:spcBef>
+                <a:spcPts val="0"/>
+              </a:spcBef>
+              <a:spcAft>
+                <a:spcPts val="0"/>
+              </a:spcAft>
+              <a:buClr>
+                <a:srgbClr val="000000"/>
+              </a:buClr>
+              <a:buSzPct val="41250"/>
+              <a:buFont typeface="Arial"/>
+              <a:buNone/>
+            </a:pPr>
+            <a:r>
+              <a:rPr lang="en" sz="2400"/>
+              <a:t>Frequency Sleeping Separately: </a:t>
+            </a:r>
+            <a:r>
+              <a:rPr lang="en" sz="2400"/>
+              <a:t>Relationship Length and Age</a:t>
+            </a:r>
+            <a:endParaRPr sz="2400"/>
+          </a:p>
+        </p:txBody>
+      </p:sp>
     </p:spTree>
   </p:cSld>
   <p:clrMapOvr>
@@ -11251,8 +11408,8 @@
         </p:blipFill>
         <p:spPr>
           <a:xfrm>
-            <a:off x="1485200" y="0"/>
-            <a:ext cx="6173608" cy="5143500"/>
+            <a:off x="1485187" y="0"/>
+            <a:ext cx="6173635" cy="5143500"/>
           </a:xfrm>
           <a:prstGeom prst="rect">
             <a:avLst/>
@@ -11288,46 +11445,34 @@
           <a:chExt cx="0" cy="0"/>
         </a:xfrm>
       </p:grpSpPr>
-      <p:sp>
-        <p:nvSpPr>
+      <p:pic>
+        <p:nvPicPr>
           <p:cNvPr id="161" name="Google Shape;161;p18"/>
-          <p:cNvSpPr txBox="1"/>
-          <p:nvPr>
-            <p:ph type="title"/>
-          </p:nvPr>
-        </p:nvSpPr>
+          <p:cNvPicPr preferRelativeResize="0"/>
+          <p:nvPr/>
+        </p:nvPicPr>
+        <p:blipFill>
+          <a:blip r:embed="rId3">
+            <a:alphaModFix/>
+          </a:blip>
+          <a:stretch>
+            <a:fillRect/>
+          </a:stretch>
+        </p:blipFill>
         <p:spPr>
           <a:xfrm>
-            <a:off x="823850" y="2053000"/>
-            <a:ext cx="4587000" cy="1148700"/>
+            <a:off x="1485200" y="0"/>
+            <a:ext cx="6173608" cy="5143500"/>
           </a:xfrm>
           <a:prstGeom prst="rect">
             <a:avLst/>
           </a:prstGeom>
+          <a:noFill/>
+          <a:ln>
+            <a:noFill/>
+          </a:ln>
         </p:spPr>
-        <p:txBody>
-          <a:bodyPr anchorCtr="0" anchor="ctr" bIns="91425" lIns="91425" spcFirstLastPara="1" rIns="91425" wrap="square" tIns="91425">
-            <a:normAutofit/>
-          </a:bodyPr>
-          <a:lstStyle/>
-          <a:p>
-            <a:pPr indent="0" lvl="0" marL="0" rtl="0" algn="l">
-              <a:spcBef>
-                <a:spcPts val="0"/>
-              </a:spcBef>
-              <a:spcAft>
-                <a:spcPts val="0"/>
-              </a:spcAft>
-              <a:buNone/>
-            </a:pPr>
-            <a:r>
-              <a:rPr lang="en" sz="2400"/>
-              <a:t>Occupation and Income</a:t>
-            </a:r>
-            <a:endParaRPr sz="2400"/>
-          </a:p>
-        </p:txBody>
-      </p:sp>
+      </p:pic>
     </p:spTree>
   </p:cSld>
   <p:clrMapOvr>
@@ -11353,34 +11498,46 @@
           <a:chExt cx="0" cy="0"/>
         </a:xfrm>
       </p:grpSpPr>
-      <p:pic>
-        <p:nvPicPr>
+      <p:sp>
+        <p:nvSpPr>
           <p:cNvPr id="166" name="Google Shape;166;p19"/>
-          <p:cNvPicPr preferRelativeResize="0"/>
-          <p:nvPr/>
-        </p:nvPicPr>
-        <p:blipFill>
-          <a:blip r:embed="rId3">
-            <a:alphaModFix/>
-          </a:blip>
-          <a:stretch>
-            <a:fillRect/>
-          </a:stretch>
-        </p:blipFill>
+          <p:cNvSpPr txBox="1"/>
+          <p:nvPr>
+            <p:ph type="title"/>
+          </p:nvPr>
+        </p:nvSpPr>
         <p:spPr>
           <a:xfrm>
-            <a:off x="0" y="0"/>
-            <a:ext cx="8562932" cy="5143501"/>
+            <a:off x="823850" y="2053000"/>
+            <a:ext cx="4587000" cy="1148700"/>
           </a:xfrm>
           <a:prstGeom prst="rect">
             <a:avLst/>
           </a:prstGeom>
-          <a:noFill/>
-          <a:ln>
-            <a:noFill/>
-          </a:ln>
         </p:spPr>
-      </p:pic>
+        <p:txBody>
+          <a:bodyPr anchorCtr="0" anchor="ctr" bIns="91425" lIns="91425" spcFirstLastPara="1" rIns="91425" wrap="square" tIns="91425">
+            <a:normAutofit fontScale="90000"/>
+          </a:bodyPr>
+          <a:lstStyle/>
+          <a:p>
+            <a:pPr indent="0" lvl="0" marL="0" rtl="0" algn="l">
+              <a:spcBef>
+                <a:spcPts val="0"/>
+              </a:spcBef>
+              <a:spcAft>
+                <a:spcPts val="0"/>
+              </a:spcAft>
+              <a:buNone/>
+            </a:pPr>
+            <a:r>
+              <a:rPr lang="en" sz="2400"/>
+              <a:t>Frequency Sleeping Separately: Occupation and Income</a:t>
+            </a:r>
+            <a:endParaRPr sz="2400"/>
+          </a:p>
+        </p:txBody>
+      </p:sp>
     </p:spTree>
   </p:cSld>
   <p:clrMapOvr>
@@ -11423,7 +11580,7 @@
         <p:spPr>
           <a:xfrm>
             <a:off x="0" y="0"/>
-            <a:ext cx="8560568" cy="5143501"/>
+            <a:ext cx="8562932" cy="5143501"/>
           </a:xfrm>
           <a:prstGeom prst="rect">
             <a:avLst/>
@@ -11475,8 +11632,8 @@
         </p:blipFill>
         <p:spPr>
           <a:xfrm>
-            <a:off x="0" y="23275"/>
-            <a:ext cx="8445124" cy="5096938"/>
+            <a:off x="0" y="0"/>
+            <a:ext cx="8560568" cy="5143501"/>
           </a:xfrm>
           <a:prstGeom prst="rect">
             <a:avLst/>

--- a/STAT_CS187  Final Project_  Sleeping Separately.pptx
+++ b/STAT_CS187  Final Project_  Sleeping Separately.pptx
@@ -820,7 +820,7 @@
   <p:cSld>
     <p:spTree>
       <p:nvGrpSpPr>
-        <p:cNvPr id="177" name="Shape 177"/>
+        <p:cNvPr id="178" name="Shape 178"/>
         <p:cNvGrpSpPr/>
         <p:nvPr/>
       </p:nvGrpSpPr>
@@ -834,7 +834,7 @@
       </p:grpSpPr>
       <p:sp>
         <p:nvSpPr>
-          <p:cNvPr id="178" name="Google Shape;178;g11c150a5f28_0_171:notes"/>
+          <p:cNvPr id="179" name="Google Shape;179;g11c150a5f28_0_171:notes"/>
           <p:cNvSpPr/>
           <p:nvPr>
             <p:ph idx="2" type="sldImg"/>
@@ -869,7 +869,7 @@
       </p:sp>
       <p:sp>
         <p:nvSpPr>
-          <p:cNvPr id="179" name="Google Shape;179;g11c150a5f28_0_171:notes"/>
+          <p:cNvPr id="180" name="Google Shape;180;g11c150a5f28_0_171:notes"/>
           <p:cNvSpPr txBox="1"/>
           <p:nvPr>
             <p:ph idx="1" type="body"/>
@@ -919,7 +919,7 @@
   <p:cSld>
     <p:spTree>
       <p:nvGrpSpPr>
-        <p:cNvPr id="182" name="Shape 182"/>
+        <p:cNvPr id="183" name="Shape 183"/>
         <p:cNvGrpSpPr/>
         <p:nvPr/>
       </p:nvGrpSpPr>
@@ -933,7 +933,7 @@
       </p:grpSpPr>
       <p:sp>
         <p:nvSpPr>
-          <p:cNvPr id="183" name="Google Shape;183;g129d6fbdb1c_0_9:notes"/>
+          <p:cNvPr id="184" name="Google Shape;184;g129d6fbdb1c_0_9:notes"/>
           <p:cNvSpPr/>
           <p:nvPr>
             <p:ph idx="2" type="sldImg"/>
@@ -968,7 +968,7 @@
       </p:sp>
       <p:sp>
         <p:nvSpPr>
-          <p:cNvPr id="184" name="Google Shape;184;g129d6fbdb1c_0_9:notes"/>
+          <p:cNvPr id="185" name="Google Shape;185;g129d6fbdb1c_0_9:notes"/>
           <p:cNvSpPr txBox="1"/>
           <p:nvPr>
             <p:ph idx="1" type="body"/>
@@ -1018,7 +1018,7 @@
   <p:cSld>
     <p:spTree>
       <p:nvGrpSpPr>
-        <p:cNvPr id="187" name="Shape 187"/>
+        <p:cNvPr id="188" name="Shape 188"/>
         <p:cNvGrpSpPr/>
         <p:nvPr/>
       </p:nvGrpSpPr>
@@ -1032,7 +1032,7 @@
       </p:grpSpPr>
       <p:sp>
         <p:nvSpPr>
-          <p:cNvPr id="188" name="Google Shape;188;g11c150a5f28_0_174:notes"/>
+          <p:cNvPr id="189" name="Google Shape;189;g11c150a5f28_0_174:notes"/>
           <p:cNvSpPr/>
           <p:nvPr>
             <p:ph idx="2" type="sldImg"/>
@@ -1067,7 +1067,7 @@
       </p:sp>
       <p:sp>
         <p:nvSpPr>
-          <p:cNvPr id="189" name="Google Shape;189;g11c150a5f28_0_174:notes"/>
+          <p:cNvPr id="190" name="Google Shape;190;g11c150a5f28_0_174:notes"/>
           <p:cNvSpPr txBox="1"/>
           <p:nvPr>
             <p:ph idx="1" type="body"/>
@@ -1117,7 +1117,7 @@
   <p:cSld>
     <p:spTree>
       <p:nvGrpSpPr>
-        <p:cNvPr id="192" name="Shape 192"/>
+        <p:cNvPr id="193" name="Shape 193"/>
         <p:cNvGrpSpPr/>
         <p:nvPr/>
       </p:nvGrpSpPr>
@@ -1131,7 +1131,7 @@
       </p:grpSpPr>
       <p:sp>
         <p:nvSpPr>
-          <p:cNvPr id="193" name="Google Shape;193;g11c150a5f28_0_139:notes"/>
+          <p:cNvPr id="194" name="Google Shape;194;g11c150a5f28_0_139:notes"/>
           <p:cNvSpPr/>
           <p:nvPr>
             <p:ph idx="2" type="sldImg"/>
@@ -1166,7 +1166,7 @@
       </p:sp>
       <p:sp>
         <p:nvSpPr>
-          <p:cNvPr id="194" name="Google Shape;194;g11c150a5f28_0_139:notes"/>
+          <p:cNvPr id="195" name="Google Shape;195;g11c150a5f28_0_139:notes"/>
           <p:cNvSpPr txBox="1"/>
           <p:nvPr>
             <p:ph idx="1" type="body"/>
@@ -1216,7 +1216,7 @@
   <p:cSld>
     <p:spTree>
       <p:nvGrpSpPr>
-        <p:cNvPr id="197" name="Shape 197"/>
+        <p:cNvPr id="198" name="Shape 198"/>
         <p:cNvGrpSpPr/>
         <p:nvPr/>
       </p:nvGrpSpPr>
@@ -1230,7 +1230,7 @@
       </p:grpSpPr>
       <p:sp>
         <p:nvSpPr>
-          <p:cNvPr id="198" name="Google Shape;198;g11c150a5f28_0_178:notes"/>
+          <p:cNvPr id="199" name="Google Shape;199;g11c150a5f28_0_178:notes"/>
           <p:cNvSpPr/>
           <p:nvPr>
             <p:ph idx="2" type="sldImg"/>
@@ -1265,7 +1265,7 @@
       </p:sp>
       <p:sp>
         <p:nvSpPr>
-          <p:cNvPr id="199" name="Google Shape;199;g11c150a5f28_0_178:notes"/>
+          <p:cNvPr id="200" name="Google Shape;200;g11c150a5f28_0_178:notes"/>
           <p:cNvSpPr txBox="1"/>
           <p:nvPr>
             <p:ph idx="1" type="body"/>
@@ -1315,7 +1315,7 @@
   <p:cSld>
     <p:spTree>
       <p:nvGrpSpPr>
-        <p:cNvPr id="202" name="Shape 202"/>
+        <p:cNvPr id="203" name="Shape 203"/>
         <p:cNvGrpSpPr/>
         <p:nvPr/>
       </p:nvGrpSpPr>
@@ -1329,7 +1329,7 @@
       </p:grpSpPr>
       <p:sp>
         <p:nvSpPr>
-          <p:cNvPr id="203" name="Google Shape;203;g11c150a5f28_0_143:notes"/>
+          <p:cNvPr id="204" name="Google Shape;204;g11c150a5f28_0_143:notes"/>
           <p:cNvSpPr/>
           <p:nvPr>
             <p:ph idx="2" type="sldImg"/>
@@ -1364,7 +1364,7 @@
       </p:sp>
       <p:sp>
         <p:nvSpPr>
-          <p:cNvPr id="204" name="Google Shape;204;g11c150a5f28_0_143:notes"/>
+          <p:cNvPr id="205" name="Google Shape;205;g11c150a5f28_0_143:notes"/>
           <p:cNvSpPr txBox="1"/>
           <p:nvPr>
             <p:ph idx="1" type="body"/>
@@ -1612,7 +1612,7 @@
   <p:cSld>
     <p:spTree>
       <p:nvGrpSpPr>
-        <p:cNvPr id="147" name="Shape 147"/>
+        <p:cNvPr id="148" name="Shape 148"/>
         <p:cNvGrpSpPr/>
         <p:nvPr/>
       </p:nvGrpSpPr>
@@ -1626,7 +1626,7 @@
       </p:grpSpPr>
       <p:sp>
         <p:nvSpPr>
-          <p:cNvPr id="148" name="Google Shape;148;g11c150a5f28_0_158:notes"/>
+          <p:cNvPr id="149" name="Google Shape;149;g11c150a5f28_0_158:notes"/>
           <p:cNvSpPr/>
           <p:nvPr>
             <p:ph idx="2" type="sldImg"/>
@@ -1661,7 +1661,7 @@
       </p:sp>
       <p:sp>
         <p:nvSpPr>
-          <p:cNvPr id="149" name="Google Shape;149;g11c150a5f28_0_158:notes"/>
+          <p:cNvPr id="150" name="Google Shape;150;g11c150a5f28_0_158:notes"/>
           <p:cNvSpPr txBox="1"/>
           <p:nvPr>
             <p:ph idx="1" type="body"/>
@@ -1711,7 +1711,7 @@
   <p:cSld>
     <p:spTree>
       <p:nvGrpSpPr>
-        <p:cNvPr id="152" name="Shape 152"/>
+        <p:cNvPr id="153" name="Shape 153"/>
         <p:cNvGrpSpPr/>
         <p:nvPr/>
       </p:nvGrpSpPr>
@@ -1725,7 +1725,7 @@
       </p:grpSpPr>
       <p:sp>
         <p:nvSpPr>
-          <p:cNvPr id="153" name="Google Shape;153;g11c150a5f28_0_153:notes"/>
+          <p:cNvPr id="154" name="Google Shape;154;g11c150a5f28_0_153:notes"/>
           <p:cNvSpPr/>
           <p:nvPr>
             <p:ph idx="2" type="sldImg"/>
@@ -1760,7 +1760,7 @@
       </p:sp>
       <p:sp>
         <p:nvSpPr>
-          <p:cNvPr id="154" name="Google Shape;154;g11c150a5f28_0_153:notes"/>
+          <p:cNvPr id="155" name="Google Shape;155;g11c150a5f28_0_153:notes"/>
           <p:cNvSpPr txBox="1"/>
           <p:nvPr>
             <p:ph idx="1" type="body"/>
@@ -1810,7 +1810,7 @@
   <p:cSld>
     <p:spTree>
       <p:nvGrpSpPr>
-        <p:cNvPr id="157" name="Shape 157"/>
+        <p:cNvPr id="158" name="Shape 158"/>
         <p:cNvGrpSpPr/>
         <p:nvPr/>
       </p:nvGrpSpPr>
@@ -1824,7 +1824,7 @@
       </p:grpSpPr>
       <p:sp>
         <p:nvSpPr>
-          <p:cNvPr id="158" name="Google Shape;158;g11c150a5f28_0_162:notes"/>
+          <p:cNvPr id="159" name="Google Shape;159;g11c150a5f28_0_162:notes"/>
           <p:cNvSpPr/>
           <p:nvPr>
             <p:ph idx="2" type="sldImg"/>
@@ -1859,7 +1859,7 @@
       </p:sp>
       <p:sp>
         <p:nvSpPr>
-          <p:cNvPr id="159" name="Google Shape;159;g11c150a5f28_0_162:notes"/>
+          <p:cNvPr id="160" name="Google Shape;160;g11c150a5f28_0_162:notes"/>
           <p:cNvSpPr txBox="1"/>
           <p:nvPr>
             <p:ph idx="1" type="body"/>
@@ -1909,7 +1909,7 @@
   <p:cSld>
     <p:spTree>
       <p:nvGrpSpPr>
-        <p:cNvPr id="162" name="Shape 162"/>
+        <p:cNvPr id="163" name="Shape 163"/>
         <p:cNvGrpSpPr/>
         <p:nvPr/>
       </p:nvGrpSpPr>
@@ -1923,7 +1923,7 @@
       </p:grpSpPr>
       <p:sp>
         <p:nvSpPr>
-          <p:cNvPr id="163" name="Google Shape;163;g11c150a5f28_0_167:notes"/>
+          <p:cNvPr id="164" name="Google Shape;164;g11c150a5f28_0_167:notes"/>
           <p:cNvSpPr/>
           <p:nvPr>
             <p:ph idx="2" type="sldImg"/>
@@ -1958,7 +1958,7 @@
       </p:sp>
       <p:sp>
         <p:nvSpPr>
-          <p:cNvPr id="164" name="Google Shape;164;g11c150a5f28_0_167:notes"/>
+          <p:cNvPr id="165" name="Google Shape;165;g11c150a5f28_0_167:notes"/>
           <p:cNvSpPr txBox="1"/>
           <p:nvPr>
             <p:ph idx="1" type="body"/>
@@ -2008,7 +2008,7 @@
   <p:cSld>
     <p:spTree>
       <p:nvGrpSpPr>
-        <p:cNvPr id="167" name="Shape 167"/>
+        <p:cNvPr id="168" name="Shape 168"/>
         <p:cNvGrpSpPr/>
         <p:nvPr/>
       </p:nvGrpSpPr>
@@ -2022,7 +2022,7 @@
       </p:grpSpPr>
       <p:sp>
         <p:nvSpPr>
-          <p:cNvPr id="168" name="Google Shape;168;g11c150a5f28_0_135:notes"/>
+          <p:cNvPr id="169" name="Google Shape;169;g11c150a5f28_0_135:notes"/>
           <p:cNvSpPr/>
           <p:nvPr>
             <p:ph idx="2" type="sldImg"/>
@@ -2057,7 +2057,7 @@
       </p:sp>
       <p:sp>
         <p:nvSpPr>
-          <p:cNvPr id="169" name="Google Shape;169;g11c150a5f28_0_135:notes"/>
+          <p:cNvPr id="170" name="Google Shape;170;g11c150a5f28_0_135:notes"/>
           <p:cNvSpPr txBox="1"/>
           <p:nvPr>
             <p:ph idx="1" type="body"/>
@@ -2107,7 +2107,7 @@
   <p:cSld>
     <p:spTree>
       <p:nvGrpSpPr>
-        <p:cNvPr id="172" name="Shape 172"/>
+        <p:cNvPr id="173" name="Shape 173"/>
         <p:cNvGrpSpPr/>
         <p:nvPr/>
       </p:nvGrpSpPr>
@@ -2121,7 +2121,7 @@
       </p:grpSpPr>
       <p:sp>
         <p:nvSpPr>
-          <p:cNvPr id="173" name="Google Shape;173;g129d6fbdb1c_0_0:notes"/>
+          <p:cNvPr id="174" name="Google Shape;174;g129d6fbdb1c_0_0:notes"/>
           <p:cNvSpPr/>
           <p:nvPr>
             <p:ph idx="2" type="sldImg"/>
@@ -2156,7 +2156,7 @@
       </p:sp>
       <p:sp>
         <p:nvSpPr>
-          <p:cNvPr id="174" name="Google Shape;174;g129d6fbdb1c_0_0:notes"/>
+          <p:cNvPr id="175" name="Google Shape;175;g129d6fbdb1c_0_0:notes"/>
           <p:cNvSpPr txBox="1"/>
           <p:nvPr>
             <p:ph idx="1" type="body"/>
@@ -10526,7 +10526,7 @@
   <p:cSld>
     <p:spTree>
       <p:nvGrpSpPr>
-        <p:cNvPr id="180" name="Shape 180"/>
+        <p:cNvPr id="181" name="Shape 181"/>
         <p:cNvGrpSpPr/>
         <p:nvPr/>
       </p:nvGrpSpPr>
@@ -10540,7 +10540,7 @@
       </p:grpSpPr>
       <p:pic>
         <p:nvPicPr>
-          <p:cNvPr id="181" name="Google Shape;181;p22"/>
+          <p:cNvPr id="182" name="Google Shape;182;p22"/>
           <p:cNvPicPr preferRelativeResize="0"/>
           <p:nvPr/>
         </p:nvPicPr>
@@ -10579,7 +10579,7 @@
   <p:cSld>
     <p:spTree>
       <p:nvGrpSpPr>
-        <p:cNvPr id="185" name="Shape 185"/>
+        <p:cNvPr id="186" name="Shape 186"/>
         <p:cNvGrpSpPr/>
         <p:nvPr/>
       </p:nvGrpSpPr>
@@ -10593,7 +10593,7 @@
       </p:grpSpPr>
       <p:pic>
         <p:nvPicPr>
-          <p:cNvPr id="186" name="Google Shape;186;p23"/>
+          <p:cNvPr id="187" name="Google Shape;187;p23"/>
           <p:cNvPicPr preferRelativeResize="0"/>
           <p:nvPr/>
         </p:nvPicPr>
@@ -10632,7 +10632,7 @@
   <p:cSld>
     <p:spTree>
       <p:nvGrpSpPr>
-        <p:cNvPr id="190" name="Shape 190"/>
+        <p:cNvPr id="191" name="Shape 191"/>
         <p:cNvGrpSpPr/>
         <p:nvPr/>
       </p:nvGrpSpPr>
@@ -10646,7 +10646,7 @@
       </p:grpSpPr>
       <p:sp>
         <p:nvSpPr>
-          <p:cNvPr id="191" name="Google Shape;191;p24"/>
+          <p:cNvPr id="192" name="Google Shape;192;p24"/>
           <p:cNvSpPr txBox="1"/>
           <p:nvPr>
             <p:ph type="title"/>
@@ -10713,7 +10713,7 @@
   <p:cSld>
     <p:spTree>
       <p:nvGrpSpPr>
-        <p:cNvPr id="195" name="Shape 195"/>
+        <p:cNvPr id="196" name="Shape 196"/>
         <p:cNvGrpSpPr/>
         <p:nvPr/>
       </p:nvGrpSpPr>
@@ -10727,7 +10727,7 @@
       </p:grpSpPr>
       <p:pic>
         <p:nvPicPr>
-          <p:cNvPr id="196" name="Google Shape;196;p25"/>
+          <p:cNvPr id="197" name="Google Shape;197;p25"/>
           <p:cNvPicPr preferRelativeResize="0"/>
           <p:nvPr/>
         </p:nvPicPr>
@@ -10766,7 +10766,7 @@
   <p:cSld>
     <p:spTree>
       <p:nvGrpSpPr>
-        <p:cNvPr id="200" name="Shape 200"/>
+        <p:cNvPr id="201" name="Shape 201"/>
         <p:cNvGrpSpPr/>
         <p:nvPr/>
       </p:nvGrpSpPr>
@@ -10780,7 +10780,7 @@
       </p:grpSpPr>
       <p:pic>
         <p:nvPicPr>
-          <p:cNvPr id="201" name="Google Shape;201;p26"/>
+          <p:cNvPr id="202" name="Google Shape;202;p26"/>
           <p:cNvPicPr preferRelativeResize="0"/>
           <p:nvPr/>
         </p:nvPicPr>
@@ -10819,7 +10819,7 @@
   <p:cSld>
     <p:spTree>
       <p:nvGrpSpPr>
-        <p:cNvPr id="205" name="Shape 205"/>
+        <p:cNvPr id="206" name="Shape 206"/>
         <p:cNvGrpSpPr/>
         <p:nvPr/>
       </p:nvGrpSpPr>
@@ -10833,7 +10833,7 @@
       </p:grpSpPr>
       <p:sp>
         <p:nvSpPr>
-          <p:cNvPr id="206" name="Google Shape;206;p27"/>
+          <p:cNvPr id="207" name="Google Shape;207;p27"/>
           <p:cNvSpPr txBox="1"/>
           <p:nvPr>
             <p:ph type="title"/>
@@ -10873,7 +10873,7 @@
       </p:sp>
       <p:sp>
         <p:nvSpPr>
-          <p:cNvPr id="207" name="Google Shape;207;p27"/>
+          <p:cNvPr id="208" name="Google Shape;208;p27"/>
           <p:cNvSpPr txBox="1"/>
           <p:nvPr>
             <p:ph idx="1" type="body"/>
@@ -11281,7 +11281,7 @@
         </p:blipFill>
         <p:spPr>
           <a:xfrm>
-            <a:off x="0" y="328966"/>
+            <a:off x="0" y="505166"/>
             <a:ext cx="9143999" cy="4485560"/>
           </a:xfrm>
           <a:prstGeom prst="rect">
@@ -11293,6 +11293,64 @@
           </a:ln>
         </p:spPr>
       </p:pic>
+      <p:sp>
+        <p:nvSpPr>
+          <p:cNvPr id="147" name="Google Shape;147;p15"/>
+          <p:cNvSpPr txBox="1"/>
+          <p:nvPr/>
+        </p:nvSpPr>
+        <p:spPr>
+          <a:xfrm>
+            <a:off x="230925" y="104975"/>
+            <a:ext cx="3663600" cy="400200"/>
+          </a:xfrm>
+          <a:prstGeom prst="rect">
+            <a:avLst/>
+          </a:prstGeom>
+          <a:noFill/>
+          <a:ln>
+            <a:noFill/>
+          </a:ln>
+        </p:spPr>
+        <p:txBody>
+          <a:bodyPr anchorCtr="0" anchor="t" bIns="91425" lIns="91425" spcFirstLastPara="1" rIns="91425" wrap="square" tIns="91425">
+            <a:spAutoFit/>
+          </a:bodyPr>
+          <a:lstStyle/>
+          <a:p>
+            <a:pPr indent="0" lvl="0" marL="0" rtl="0" algn="l">
+              <a:spcBef>
+                <a:spcPts val="0"/>
+              </a:spcBef>
+              <a:spcAft>
+                <a:spcPts val="0"/>
+              </a:spcAft>
+              <a:buNone/>
+            </a:pPr>
+            <a:r>
+              <a:rPr lang="en">
+                <a:solidFill>
+                  <a:schemeClr val="lt1"/>
+                </a:solidFill>
+                <a:latin typeface="Montserrat"/>
+                <a:ea typeface="Montserrat"/>
+                <a:cs typeface="Montserrat"/>
+                <a:sym typeface="Montserrat"/>
+              </a:rPr>
+              <a:t>A quick look at the data:</a:t>
+            </a:r>
+            <a:endParaRPr>
+              <a:solidFill>
+                <a:schemeClr val="lt1"/>
+              </a:solidFill>
+              <a:latin typeface="Montserrat"/>
+              <a:ea typeface="Montserrat"/>
+              <a:cs typeface="Montserrat"/>
+              <a:sym typeface="Montserrat"/>
+            </a:endParaRPr>
+          </a:p>
+        </p:txBody>
+      </p:sp>
     </p:spTree>
   </p:cSld>
   <p:clrMapOvr>
@@ -11306,7 +11364,7 @@
   <p:cSld>
     <p:spTree>
       <p:nvGrpSpPr>
-        <p:cNvPr id="150" name="Shape 150"/>
+        <p:cNvPr id="151" name="Shape 151"/>
         <p:cNvGrpSpPr/>
         <p:nvPr/>
       </p:nvGrpSpPr>
@@ -11320,7 +11378,7 @@
       </p:grpSpPr>
       <p:sp>
         <p:nvSpPr>
-          <p:cNvPr id="151" name="Google Shape;151;p16"/>
+          <p:cNvPr id="152" name="Google Shape;152;p16"/>
           <p:cNvSpPr txBox="1"/>
           <p:nvPr>
             <p:ph type="title"/>
@@ -11380,7 +11438,7 @@
   <p:cSld>
     <p:spTree>
       <p:nvGrpSpPr>
-        <p:cNvPr id="155" name="Shape 155"/>
+        <p:cNvPr id="156" name="Shape 156"/>
         <p:cNvGrpSpPr/>
         <p:nvPr/>
       </p:nvGrpSpPr>
@@ -11394,7 +11452,7 @@
       </p:grpSpPr>
       <p:pic>
         <p:nvPicPr>
-          <p:cNvPr id="156" name="Google Shape;156;p17"/>
+          <p:cNvPr id="157" name="Google Shape;157;p17"/>
           <p:cNvPicPr preferRelativeResize="0"/>
           <p:nvPr/>
         </p:nvPicPr>
@@ -11433,7 +11491,7 @@
   <p:cSld>
     <p:spTree>
       <p:nvGrpSpPr>
-        <p:cNvPr id="160" name="Shape 160"/>
+        <p:cNvPr id="161" name="Shape 161"/>
         <p:cNvGrpSpPr/>
         <p:nvPr/>
       </p:nvGrpSpPr>
@@ -11447,7 +11505,7 @@
       </p:grpSpPr>
       <p:pic>
         <p:nvPicPr>
-          <p:cNvPr id="161" name="Google Shape;161;p18"/>
+          <p:cNvPr id="162" name="Google Shape;162;p18"/>
           <p:cNvPicPr preferRelativeResize="0"/>
           <p:nvPr/>
         </p:nvPicPr>
@@ -11486,7 +11544,7 @@
   <p:cSld>
     <p:spTree>
       <p:nvGrpSpPr>
-        <p:cNvPr id="165" name="Shape 165"/>
+        <p:cNvPr id="166" name="Shape 166"/>
         <p:cNvGrpSpPr/>
         <p:nvPr/>
       </p:nvGrpSpPr>
@@ -11500,7 +11558,7 @@
       </p:grpSpPr>
       <p:sp>
         <p:nvSpPr>
-          <p:cNvPr id="166" name="Google Shape;166;p19"/>
+          <p:cNvPr id="167" name="Google Shape;167;p19"/>
           <p:cNvSpPr txBox="1"/>
           <p:nvPr>
             <p:ph type="title"/>
@@ -11551,7 +11609,7 @@
   <p:cSld>
     <p:spTree>
       <p:nvGrpSpPr>
-        <p:cNvPr id="170" name="Shape 170"/>
+        <p:cNvPr id="171" name="Shape 171"/>
         <p:cNvGrpSpPr/>
         <p:nvPr/>
       </p:nvGrpSpPr>
@@ -11565,7 +11623,7 @@
       </p:grpSpPr>
       <p:pic>
         <p:nvPicPr>
-          <p:cNvPr id="171" name="Google Shape;171;p20"/>
+          <p:cNvPr id="172" name="Google Shape;172;p20"/>
           <p:cNvPicPr preferRelativeResize="0"/>
           <p:nvPr/>
         </p:nvPicPr>
@@ -11604,7 +11662,7 @@
   <p:cSld>
     <p:spTree>
       <p:nvGrpSpPr>
-        <p:cNvPr id="175" name="Shape 175"/>
+        <p:cNvPr id="176" name="Shape 176"/>
         <p:cNvGrpSpPr/>
         <p:nvPr/>
       </p:nvGrpSpPr>
@@ -11618,7 +11676,7 @@
       </p:grpSpPr>
       <p:pic>
         <p:nvPicPr>
-          <p:cNvPr id="176" name="Google Shape;176;p21"/>
+          <p:cNvPr id="177" name="Google Shape;177;p21"/>
           <p:cNvPicPr preferRelativeResize="0"/>
           <p:nvPr/>
         </p:nvPicPr>

--- a/STAT_CS187  Final Project_  Sleeping Separately.pptx
+++ b/STAT_CS187  Final Project_  Sleeping Separately.pptx
@@ -23,23 +23,24 @@
     <p:sldId id="268" r:id="rId18"/>
     <p:sldId id="269" r:id="rId19"/>
     <p:sldId id="270" r:id="rId20"/>
+    <p:sldId id="271" r:id="rId21"/>
   </p:sldIdLst>
   <p:sldSz cy="5143500" cx="9144000"/>
   <p:notesSz cx="6858000" cy="9144000"/>
   <p:embeddedFontLst>
     <p:embeddedFont>
       <p:font typeface="Montserrat"/>
-      <p:regular r:id="rId21"/>
-      <p:bold r:id="rId22"/>
-      <p:italic r:id="rId23"/>
-      <p:boldItalic r:id="rId24"/>
+      <p:regular r:id="rId22"/>
+      <p:bold r:id="rId23"/>
+      <p:italic r:id="rId24"/>
+      <p:boldItalic r:id="rId25"/>
     </p:embeddedFont>
     <p:embeddedFont>
       <p:font typeface="Lato"/>
-      <p:regular r:id="rId25"/>
-      <p:bold r:id="rId26"/>
-      <p:italic r:id="rId27"/>
-      <p:boldItalic r:id="rId28"/>
+      <p:regular r:id="rId26"/>
+      <p:bold r:id="rId27"/>
+      <p:italic r:id="rId28"/>
+      <p:boldItalic r:id="rId29"/>
     </p:embeddedFont>
   </p:embeddedFontLst>
   <p:defaultTextStyle>
@@ -1329,7 +1330,7 @@
       </p:grpSpPr>
       <p:sp>
         <p:nvSpPr>
-          <p:cNvPr id="204" name="Google Shape;204;g11c150a5f28_0_143:notes"/>
+          <p:cNvPr id="204" name="Google Shape;204;g12a0ea3c3c5_0_0:notes"/>
           <p:cNvSpPr/>
           <p:nvPr>
             <p:ph idx="2" type="sldImg"/>
@@ -1364,7 +1365,106 @@
       </p:sp>
       <p:sp>
         <p:nvSpPr>
-          <p:cNvPr id="205" name="Google Shape;205;g11c150a5f28_0_143:notes"/>
+          <p:cNvPr id="205" name="Google Shape;205;g12a0ea3c3c5_0_0:notes"/>
+          <p:cNvSpPr txBox="1"/>
+          <p:nvPr>
+            <p:ph idx="1" type="body"/>
+          </p:nvPr>
+        </p:nvSpPr>
+        <p:spPr>
+          <a:xfrm>
+            <a:off x="685800" y="4343400"/>
+            <a:ext cx="5486400" cy="4114800"/>
+          </a:xfrm>
+          <a:prstGeom prst="rect">
+            <a:avLst/>
+          </a:prstGeom>
+        </p:spPr>
+        <p:txBody>
+          <a:bodyPr anchorCtr="0" anchor="t" bIns="91425" lIns="91425" spcFirstLastPara="1" rIns="91425" wrap="square" tIns="91425">
+            <a:noAutofit/>
+          </a:bodyPr>
+          <a:lstStyle/>
+          <a:p>
+            <a:pPr indent="0" lvl="0" marL="0" rtl="0" algn="l">
+              <a:spcBef>
+                <a:spcPts val="0"/>
+              </a:spcBef>
+              <a:spcAft>
+                <a:spcPts val="0"/>
+              </a:spcAft>
+              <a:buNone/>
+            </a:pPr>
+            <a:r>
+              <a:t/>
+            </a:r>
+            <a:endParaRPr/>
+          </a:p>
+        </p:txBody>
+      </p:sp>
+    </p:spTree>
+  </p:cSld>
+  <p:clrMapOvr>
+    <a:masterClrMapping/>
+  </p:clrMapOvr>
+</p:notes>
+</file>
+
+<file path=ppt/notesSlides/notesSlide16.xml><?xml version="1.0" encoding="utf-8"?>
+<p:notes xmlns:a="http://schemas.openxmlformats.org/drawingml/2006/main" xmlns:r="http://schemas.openxmlformats.org/officeDocument/2006/relationships" xmlns:mc="http://schemas.openxmlformats.org/markup-compatibility/2006" xmlns:mv="urn:schemas-microsoft-com:mac:vml" xmlns:p="http://schemas.openxmlformats.org/presentationml/2006/main" xmlns:c="http://schemas.openxmlformats.org/drawingml/2006/chart" xmlns:dgm="http://schemas.openxmlformats.org/drawingml/2006/diagram" xmlns:o="urn:schemas-microsoft-com:office:office" xmlns:v="urn:schemas-microsoft-com:vml" xmlns:pvml="urn:schemas-microsoft-com:office:powerpoint" xmlns:com="http://schemas.openxmlformats.org/drawingml/2006/compatibility" xmlns:p14="http://schemas.microsoft.com/office/powerpoint/2010/main" xmlns:p15="http://schemas.microsoft.com/office/powerpoint/2012/main" xmlns:ahyp="http://schemas.microsoft.com/office/drawing/2018/hyperlinkcolor" showMasterPhAnim="0" showMasterSp="0">
+  <p:cSld>
+    <p:spTree>
+      <p:nvGrpSpPr>
+        <p:cNvPr id="209" name="Shape 209"/>
+        <p:cNvGrpSpPr/>
+        <p:nvPr/>
+      </p:nvGrpSpPr>
+      <p:grpSpPr>
+        <a:xfrm>
+          <a:off x="0" y="0"/>
+          <a:ext cx="0" cy="0"/>
+          <a:chOff x="0" y="0"/>
+          <a:chExt cx="0" cy="0"/>
+        </a:xfrm>
+      </p:grpSpPr>
+      <p:sp>
+        <p:nvSpPr>
+          <p:cNvPr id="210" name="Google Shape;210;g11c150a5f28_0_143:notes"/>
+          <p:cNvSpPr/>
+          <p:nvPr>
+            <p:ph idx="2" type="sldImg"/>
+          </p:nvPr>
+        </p:nvSpPr>
+        <p:spPr>
+          <a:xfrm>
+            <a:off x="381300" y="685800"/>
+            <a:ext cx="6096000" cy="3429000"/>
+          </a:xfrm>
+          <a:custGeom>
+            <a:rect b="b" l="l" r="r" t="t"/>
+            <a:pathLst>
+              <a:path extrusionOk="0" h="120000" w="120000">
+                <a:moveTo>
+                  <a:pt x="0" y="0"/>
+                </a:moveTo>
+                <a:lnTo>
+                  <a:pt x="120000" y="0"/>
+                </a:lnTo>
+                <a:lnTo>
+                  <a:pt x="120000" y="120000"/>
+                </a:lnTo>
+                <a:lnTo>
+                  <a:pt x="0" y="120000"/>
+                </a:lnTo>
+                <a:close/>
+              </a:path>
+            </a:pathLst>
+          </a:custGeom>
+        </p:spPr>
+      </p:sp>
+      <p:sp>
+        <p:nvSpPr>
+          <p:cNvPr id="211" name="Google Shape;211;g11c150a5f28_0_143:notes"/>
           <p:cNvSpPr txBox="1"/>
           <p:nvPr>
             <p:ph idx="1" type="body"/>
@@ -1428,7 +1528,7 @@
       </p:grpSpPr>
       <p:sp>
         <p:nvSpPr>
-          <p:cNvPr id="137" name="Google Shape;137;g11c150a5f28_0_126:notes"/>
+          <p:cNvPr id="137" name="Google Shape;137;g11c34585a42_0_0:notes"/>
           <p:cNvSpPr/>
           <p:nvPr>
             <p:ph idx="2" type="sldImg"/>
@@ -1463,7 +1563,7 @@
       </p:sp>
       <p:sp>
         <p:nvSpPr>
-          <p:cNvPr id="138" name="Google Shape;138;g11c150a5f28_0_126:notes"/>
+          <p:cNvPr id="138" name="Google Shape;138;g11c34585a42_0_0:notes"/>
           <p:cNvSpPr txBox="1"/>
           <p:nvPr>
             <p:ph idx="1" type="body"/>
@@ -1527,7 +1627,7 @@
       </p:grpSpPr>
       <p:sp>
         <p:nvSpPr>
-          <p:cNvPr id="143" name="Google Shape;143;g11c34585a42_0_0:notes"/>
+          <p:cNvPr id="143" name="Google Shape;143;g11c150a5f28_0_126:notes"/>
           <p:cNvSpPr/>
           <p:nvPr>
             <p:ph idx="2" type="sldImg"/>
@@ -1562,7 +1662,7 @@
       </p:sp>
       <p:sp>
         <p:nvSpPr>
-          <p:cNvPr id="144" name="Google Shape;144;g11c34585a42_0_0:notes"/>
+          <p:cNvPr id="144" name="Google Shape;144;g11c150a5f28_0_126:notes"/>
           <p:cNvSpPr txBox="1"/>
           <p:nvPr>
             <p:ph idx="1" type="body"/>
@@ -10842,6 +10942,98 @@
         <p:spPr>
           <a:xfrm>
             <a:off x="1297500" y="393750"/>
+            <a:ext cx="7038900" cy="527700"/>
+          </a:xfrm>
+          <a:prstGeom prst="rect">
+            <a:avLst/>
+          </a:prstGeom>
+        </p:spPr>
+        <p:txBody>
+          <a:bodyPr anchorCtr="0" anchor="t" bIns="91425" lIns="91425" spcFirstLastPara="1" rIns="91425" wrap="square" tIns="91425">
+            <a:normAutofit fontScale="90000"/>
+          </a:bodyPr>
+          <a:lstStyle/>
+          <a:p>
+            <a:pPr indent="0" lvl="0" marL="0" rtl="0" algn="l">
+              <a:spcBef>
+                <a:spcPts val="0"/>
+              </a:spcBef>
+              <a:spcAft>
+                <a:spcPts val="0"/>
+              </a:spcAft>
+              <a:buNone/>
+            </a:pPr>
+            <a:r>
+              <a:rPr lang="en"/>
+              <a:t>Machine Learning: Decision Tree</a:t>
+            </a:r>
+            <a:endParaRPr/>
+          </a:p>
+        </p:txBody>
+      </p:sp>
+      <p:pic>
+        <p:nvPicPr>
+          <p:cNvPr id="208" name="Google Shape;208;p27"/>
+          <p:cNvPicPr preferRelativeResize="0"/>
+          <p:nvPr/>
+        </p:nvPicPr>
+        <p:blipFill rotWithShape="1">
+          <a:blip r:embed="rId3">
+            <a:alphaModFix/>
+          </a:blip>
+          <a:srcRect b="15311" l="0" r="0" t="17234"/>
+          <a:stretch/>
+        </p:blipFill>
+        <p:spPr>
+          <a:xfrm>
+            <a:off x="1197675" y="1006075"/>
+            <a:ext cx="6942424" cy="3902350"/>
+          </a:xfrm>
+          <a:prstGeom prst="rect">
+            <a:avLst/>
+          </a:prstGeom>
+          <a:noFill/>
+          <a:ln>
+            <a:noFill/>
+          </a:ln>
+        </p:spPr>
+      </p:pic>
+    </p:spTree>
+  </p:cSld>
+  <p:clrMapOvr>
+    <a:masterClrMapping/>
+  </p:clrMapOvr>
+</p:sld>
+</file>
+
+<file path=ppt/slides/slide16.xml><?xml version="1.0" encoding="utf-8"?>
+<p:sld xmlns:a="http://schemas.openxmlformats.org/drawingml/2006/main" xmlns:r="http://schemas.openxmlformats.org/officeDocument/2006/relationships" xmlns:mc="http://schemas.openxmlformats.org/markup-compatibility/2006" xmlns:mv="urn:schemas-microsoft-com:mac:vml" xmlns:p="http://schemas.openxmlformats.org/presentationml/2006/main" xmlns:c="http://schemas.openxmlformats.org/drawingml/2006/chart" xmlns:dgm="http://schemas.openxmlformats.org/drawingml/2006/diagram" xmlns:o="urn:schemas-microsoft-com:office:office" xmlns:v="urn:schemas-microsoft-com:vml" xmlns:pvml="urn:schemas-microsoft-com:office:powerpoint" xmlns:com="http://schemas.openxmlformats.org/drawingml/2006/compatibility" xmlns:p14="http://schemas.microsoft.com/office/powerpoint/2010/main" xmlns:p15="http://schemas.microsoft.com/office/powerpoint/2012/main" xmlns:ahyp="http://schemas.microsoft.com/office/drawing/2018/hyperlinkcolor">
+  <p:cSld>
+    <p:spTree>
+      <p:nvGrpSpPr>
+        <p:cNvPr id="212" name="Shape 212"/>
+        <p:cNvGrpSpPr/>
+        <p:nvPr/>
+      </p:nvGrpSpPr>
+      <p:grpSpPr>
+        <a:xfrm>
+          <a:off x="0" y="0"/>
+          <a:ext cx="0" cy="0"/>
+          <a:chOff x="0" y="0"/>
+          <a:chExt cx="0" cy="0"/>
+        </a:xfrm>
+      </p:grpSpPr>
+      <p:sp>
+        <p:nvSpPr>
+          <p:cNvPr id="213" name="Google Shape;213;p28"/>
+          <p:cNvSpPr txBox="1"/>
+          <p:nvPr>
+            <p:ph type="title"/>
+          </p:nvPr>
+        </p:nvSpPr>
+        <p:spPr>
+          <a:xfrm>
+            <a:off x="1297500" y="393750"/>
             <a:ext cx="7038900" cy="914100"/>
           </a:xfrm>
           <a:prstGeom prst="rect">
@@ -10873,7 +11065,7 @@
       </p:sp>
       <p:sp>
         <p:nvSpPr>
-          <p:cNvPr id="208" name="Google Shape;208;p27"/>
+          <p:cNvPr id="214" name="Google Shape;214;p28"/>
           <p:cNvSpPr txBox="1"/>
           <p:nvPr>
             <p:ph idx="1" type="body"/>
@@ -11020,26 +11212,56 @@
           <a:chExt cx="0" cy="0"/>
         </a:xfrm>
       </p:grpSpPr>
-      <p:sp>
-        <p:nvSpPr>
+      <p:pic>
+        <p:nvPicPr>
           <p:cNvPr id="140" name="Google Shape;140;p14"/>
-          <p:cNvSpPr txBox="1"/>
-          <p:nvPr>
-            <p:ph type="title"/>
-          </p:nvPr>
-        </p:nvSpPr>
+          <p:cNvPicPr preferRelativeResize="0"/>
+          <p:nvPr/>
+        </p:nvPicPr>
+        <p:blipFill>
+          <a:blip r:embed="rId3">
+            <a:alphaModFix/>
+          </a:blip>
+          <a:stretch>
+            <a:fillRect/>
+          </a:stretch>
+        </p:blipFill>
         <p:spPr>
           <a:xfrm>
-            <a:off x="1297500" y="393750"/>
-            <a:ext cx="7038900" cy="621900"/>
+            <a:off x="0" y="505166"/>
+            <a:ext cx="9143999" cy="4485560"/>
           </a:xfrm>
           <a:prstGeom prst="rect">
             <a:avLst/>
           </a:prstGeom>
+          <a:noFill/>
+          <a:ln>
+            <a:noFill/>
+          </a:ln>
+        </p:spPr>
+      </p:pic>
+      <p:sp>
+        <p:nvSpPr>
+          <p:cNvPr id="141" name="Google Shape;141;p14"/>
+          <p:cNvSpPr txBox="1"/>
+          <p:nvPr/>
+        </p:nvSpPr>
+        <p:spPr>
+          <a:xfrm>
+            <a:off x="230925" y="104975"/>
+            <a:ext cx="3663600" cy="400200"/>
+          </a:xfrm>
+          <a:prstGeom prst="rect">
+            <a:avLst/>
+          </a:prstGeom>
+          <a:noFill/>
+          <a:ln>
+            <a:noFill/>
+          </a:ln>
         </p:spPr>
         <p:txBody>
           <a:bodyPr anchorCtr="0" anchor="t" bIns="91425" lIns="91425" spcFirstLastPara="1" rIns="91425" wrap="square" tIns="91425">
-            <a:normAutofit/>
+            <a:spAutoFit/>
           </a:bodyPr>
           <a:lstStyle/>
           <a:p>
@@ -11053,190 +11275,26 @@
               <a:buNone/>
             </a:pPr>
             <a:r>
-              <a:rPr lang="en"/>
-              <a:t>The Dataset</a:t>
+              <a:rPr lang="en">
+                <a:solidFill>
+                  <a:schemeClr val="lt1"/>
+                </a:solidFill>
+                <a:latin typeface="Montserrat"/>
+                <a:ea typeface="Montserrat"/>
+                <a:cs typeface="Montserrat"/>
+                <a:sym typeface="Montserrat"/>
+              </a:rPr>
+              <a:t>A quick look at the data:</a:t>
             </a:r>
-            <a:endParaRPr/>
-          </a:p>
-        </p:txBody>
-      </p:sp>
-      <p:sp>
-        <p:nvSpPr>
-          <p:cNvPr id="141" name="Google Shape;141;p14"/>
-          <p:cNvSpPr txBox="1"/>
-          <p:nvPr>
-            <p:ph idx="1" type="body"/>
-          </p:nvPr>
-        </p:nvSpPr>
-        <p:spPr>
-          <a:xfrm>
-            <a:off x="1297500" y="1279125"/>
-            <a:ext cx="7038900" cy="2911200"/>
-          </a:xfrm>
-          <a:prstGeom prst="rect">
-            <a:avLst/>
-          </a:prstGeom>
-        </p:spPr>
-        <p:txBody>
-          <a:bodyPr anchorCtr="0" anchor="t" bIns="91425" lIns="91425" spcFirstLastPara="1" rIns="91425" wrap="square" tIns="91425">
-            <a:noAutofit/>
-          </a:bodyPr>
-          <a:lstStyle/>
-          <a:p>
-            <a:pPr indent="-330200" lvl="0" marL="457200" rtl="0" algn="l">
-              <a:lnSpc>
-                <a:spcPct val="105000"/>
-              </a:lnSpc>
-              <a:spcBef>
-                <a:spcPts val="0"/>
-              </a:spcBef>
-              <a:spcAft>
-                <a:spcPts val="0"/>
-              </a:spcAft>
-              <a:buSzPts val="1600"/>
-              <a:buChar char="●"/>
-            </a:pPr>
-            <a:r>
-              <a:rPr lang="en" sz="1600"/>
-              <a:t>Dataset involves h</a:t>
-            </a:r>
-            <a:r>
-              <a:rPr lang="en" sz="1600"/>
-              <a:t>ow often couples sleep separately </a:t>
-            </a:r>
-            <a:r>
-              <a:rPr lang="en" sz="1400"/>
-              <a:t> </a:t>
-            </a:r>
-            <a:endParaRPr sz="1400"/>
-          </a:p>
-          <a:p>
-            <a:pPr indent="-317500" lvl="1" marL="914400" rtl="0" algn="l">
-              <a:lnSpc>
-                <a:spcPct val="105000"/>
-              </a:lnSpc>
-              <a:spcBef>
-                <a:spcPts val="0"/>
-              </a:spcBef>
-              <a:spcAft>
-                <a:spcPts val="0"/>
-              </a:spcAft>
-              <a:buSzPts val="1400"/>
-              <a:buChar char="○"/>
-            </a:pPr>
-            <a:r>
-              <a:rPr lang="en" sz="1400"/>
-              <a:t>What factors </a:t>
-            </a:r>
-            <a:r>
-              <a:rPr lang="en" sz="1400"/>
-              <a:t>contribute</a:t>
-            </a:r>
-            <a:r>
-              <a:rPr lang="en" sz="1400"/>
-              <a:t> to couples sleeping separately?</a:t>
-            </a:r>
-            <a:endParaRPr sz="1400"/>
-          </a:p>
-          <a:p>
-            <a:pPr indent="-317500" lvl="1" marL="914400" rtl="0" algn="l">
-              <a:lnSpc>
-                <a:spcPct val="105000"/>
-              </a:lnSpc>
-              <a:spcBef>
-                <a:spcPts val="0"/>
-              </a:spcBef>
-              <a:spcAft>
-                <a:spcPts val="0"/>
-              </a:spcAft>
-              <a:buSzPts val="1400"/>
-              <a:buChar char="○"/>
-            </a:pPr>
-            <a:r>
-              <a:rPr lang="en" sz="1400"/>
-              <a:t>Why do couples sleep in separate beds?</a:t>
-            </a:r>
-            <a:endParaRPr sz="1400"/>
-          </a:p>
-          <a:p>
-            <a:pPr indent="0" lvl="0" marL="914400" rtl="0" algn="l">
-              <a:lnSpc>
-                <a:spcPct val="105000"/>
-              </a:lnSpc>
-              <a:spcBef>
-                <a:spcPts val="1200"/>
-              </a:spcBef>
-              <a:spcAft>
-                <a:spcPts val="0"/>
-              </a:spcAft>
-              <a:buNone/>
-            </a:pPr>
-            <a:r>
-              <a:t/>
-            </a:r>
-            <a:endParaRPr sz="1400"/>
-          </a:p>
-          <a:p>
-            <a:pPr indent="-330200" lvl="0" marL="457200" rtl="0" algn="l">
-              <a:lnSpc>
-                <a:spcPct val="105000"/>
-              </a:lnSpc>
-              <a:spcBef>
-                <a:spcPts val="1200"/>
-              </a:spcBef>
-              <a:spcAft>
-                <a:spcPts val="0"/>
-              </a:spcAft>
-              <a:buSzPts val="1600"/>
-              <a:buChar char="●"/>
-            </a:pPr>
-            <a:r>
-              <a:rPr lang="en" sz="1600"/>
-              <a:t>D</a:t>
-            </a:r>
-            <a:r>
-              <a:rPr lang="en" sz="1600"/>
-              <a:t>ata is from survey created in 2014 by Mona Chalabi as research for an article for FiveThirtyEight (from ABC News)</a:t>
-            </a:r>
-            <a:endParaRPr sz="1600"/>
-          </a:p>
-          <a:p>
-            <a:pPr indent="0" lvl="0" marL="457200" rtl="0" algn="l">
-              <a:lnSpc>
-                <a:spcPct val="105000"/>
-              </a:lnSpc>
-              <a:spcBef>
-                <a:spcPts val="1200"/>
-              </a:spcBef>
-              <a:spcAft>
-                <a:spcPts val="0"/>
-              </a:spcAft>
-              <a:buNone/>
-            </a:pPr>
-            <a:r>
-              <a:t/>
-            </a:r>
-            <a:endParaRPr sz="1600"/>
-          </a:p>
-          <a:p>
-            <a:pPr indent="-330200" lvl="0" marL="457200" rtl="0" algn="l">
-              <a:lnSpc>
-                <a:spcPct val="105000"/>
-              </a:lnSpc>
-              <a:spcBef>
-                <a:spcPts val="1200"/>
-              </a:spcBef>
-              <a:spcAft>
-                <a:spcPts val="0"/>
-              </a:spcAft>
-              <a:buSzPts val="1600"/>
-              <a:buChar char="●"/>
-            </a:pPr>
-            <a:r>
-              <a:rPr lang="en" sz="1600"/>
-              <a:t>The population from which this sample was drawn includes 1,057 American adults who were married, in a domestic partnership, in civil union or cohabiting with a significant other</a:t>
-            </a:r>
-            <a:endParaRPr sz="1600"/>
+            <a:endParaRPr>
+              <a:solidFill>
+                <a:schemeClr val="lt1"/>
+              </a:solidFill>
+              <a:latin typeface="Montserrat"/>
+              <a:ea typeface="Montserrat"/>
+              <a:cs typeface="Montserrat"/>
+              <a:sym typeface="Montserrat"/>
+            </a:endParaRPr>
           </a:p>
         </p:txBody>
       </p:sp>
@@ -11265,89 +11323,223 @@
           <a:chExt cx="0" cy="0"/>
         </a:xfrm>
       </p:grpSpPr>
-      <p:pic>
-        <p:nvPicPr>
+      <p:sp>
+        <p:nvSpPr>
           <p:cNvPr id="146" name="Google Shape;146;p15"/>
-          <p:cNvPicPr preferRelativeResize="0"/>
-          <p:nvPr/>
-        </p:nvPicPr>
-        <p:blipFill>
-          <a:blip r:embed="rId3">
-            <a:alphaModFix/>
-          </a:blip>
-          <a:stretch>
-            <a:fillRect/>
-          </a:stretch>
-        </p:blipFill>
+          <p:cNvSpPr txBox="1"/>
+          <p:nvPr>
+            <p:ph type="title"/>
+          </p:nvPr>
+        </p:nvSpPr>
         <p:spPr>
           <a:xfrm>
-            <a:off x="0" y="505166"/>
-            <a:ext cx="9143999" cy="4485560"/>
+            <a:off x="1297500" y="393750"/>
+            <a:ext cx="7038900" cy="621900"/>
           </a:xfrm>
           <a:prstGeom prst="rect">
             <a:avLst/>
           </a:prstGeom>
-          <a:noFill/>
-          <a:ln>
-            <a:noFill/>
-          </a:ln>
         </p:spPr>
-      </p:pic>
+        <p:txBody>
+          <a:bodyPr anchorCtr="0" anchor="t" bIns="91425" lIns="91425" spcFirstLastPara="1" rIns="91425" wrap="square" tIns="91425">
+            <a:normAutofit/>
+          </a:bodyPr>
+          <a:lstStyle/>
+          <a:p>
+            <a:pPr indent="0" lvl="0" marL="0" rtl="0" algn="l">
+              <a:spcBef>
+                <a:spcPts val="0"/>
+              </a:spcBef>
+              <a:spcAft>
+                <a:spcPts val="0"/>
+              </a:spcAft>
+              <a:buNone/>
+            </a:pPr>
+            <a:r>
+              <a:rPr lang="en"/>
+              <a:t>The Dataset</a:t>
+            </a:r>
+            <a:endParaRPr/>
+          </a:p>
+        </p:txBody>
+      </p:sp>
       <p:sp>
         <p:nvSpPr>
           <p:cNvPr id="147" name="Google Shape;147;p15"/>
           <p:cNvSpPr txBox="1"/>
-          <p:nvPr/>
+          <p:nvPr>
+            <p:ph idx="1" type="body"/>
+          </p:nvPr>
         </p:nvSpPr>
         <p:spPr>
           <a:xfrm>
-            <a:off x="230925" y="104975"/>
-            <a:ext cx="3663600" cy="400200"/>
+            <a:off x="1297500" y="1279125"/>
+            <a:ext cx="7038900" cy="2911200"/>
           </a:xfrm>
           <a:prstGeom prst="rect">
             <a:avLst/>
           </a:prstGeom>
-          <a:noFill/>
-          <a:ln>
-            <a:noFill/>
-          </a:ln>
         </p:spPr>
         <p:txBody>
           <a:bodyPr anchorCtr="0" anchor="t" bIns="91425" lIns="91425" spcFirstLastPara="1" rIns="91425" wrap="square" tIns="91425">
-            <a:spAutoFit/>
+            <a:noAutofit/>
           </a:bodyPr>
           <a:lstStyle/>
           <a:p>
-            <a:pPr indent="0" lvl="0" marL="0" rtl="0" algn="l">
-              <a:spcBef>
-                <a:spcPts val="0"/>
-              </a:spcBef>
-              <a:spcAft>
-                <a:spcPts val="0"/>
-              </a:spcAft>
-              <a:buNone/>
+            <a:pPr indent="-330200" lvl="0" marL="457200" rtl="0" algn="l">
+              <a:lnSpc>
+                <a:spcPct val="105000"/>
+              </a:lnSpc>
+              <a:spcBef>
+                <a:spcPts val="0"/>
+              </a:spcBef>
+              <a:spcAft>
+                <a:spcPts val="0"/>
+              </a:spcAft>
+              <a:buSzPts val="1600"/>
+              <a:buChar char="●"/>
             </a:pPr>
             <a:r>
-              <a:rPr lang="en">
-                <a:solidFill>
-                  <a:schemeClr val="lt1"/>
-                </a:solidFill>
-                <a:latin typeface="Montserrat"/>
-                <a:ea typeface="Montserrat"/>
-                <a:cs typeface="Montserrat"/>
-                <a:sym typeface="Montserrat"/>
-              </a:rPr>
-              <a:t>A quick look at the data:</a:t>
+              <a:rPr lang="en" sz="1600"/>
+              <a:t>Dataset involves h</a:t>
             </a:r>
-            <a:endParaRPr>
-              <a:solidFill>
-                <a:schemeClr val="lt1"/>
-              </a:solidFill>
-              <a:latin typeface="Montserrat"/>
-              <a:ea typeface="Montserrat"/>
-              <a:cs typeface="Montserrat"/>
-              <a:sym typeface="Montserrat"/>
-            </a:endParaRPr>
+            <a:r>
+              <a:rPr lang="en" sz="1600"/>
+              <a:t>ow often couples sleep separately </a:t>
+            </a:r>
+            <a:r>
+              <a:rPr lang="en" sz="1400"/>
+              <a:t> </a:t>
+            </a:r>
+            <a:endParaRPr sz="1400"/>
+          </a:p>
+          <a:p>
+            <a:pPr indent="-317500" lvl="1" marL="914400" rtl="0" algn="l">
+              <a:lnSpc>
+                <a:spcPct val="105000"/>
+              </a:lnSpc>
+              <a:spcBef>
+                <a:spcPts val="0"/>
+              </a:spcBef>
+              <a:spcAft>
+                <a:spcPts val="0"/>
+              </a:spcAft>
+              <a:buSzPts val="1400"/>
+              <a:buChar char="○"/>
+            </a:pPr>
+            <a:r>
+              <a:rPr lang="en" sz="1400"/>
+              <a:t>What factors </a:t>
+            </a:r>
+            <a:r>
+              <a:rPr lang="en" sz="1400"/>
+              <a:t>contribute</a:t>
+            </a:r>
+            <a:r>
+              <a:rPr lang="en" sz="1400"/>
+              <a:t> to couples sleeping separately?</a:t>
+            </a:r>
+            <a:endParaRPr sz="1400"/>
+          </a:p>
+          <a:p>
+            <a:pPr indent="-317500" lvl="1" marL="914400" rtl="0" algn="l">
+              <a:lnSpc>
+                <a:spcPct val="105000"/>
+              </a:lnSpc>
+              <a:spcBef>
+                <a:spcPts val="0"/>
+              </a:spcBef>
+              <a:spcAft>
+                <a:spcPts val="0"/>
+              </a:spcAft>
+              <a:buSzPts val="1400"/>
+              <a:buChar char="○"/>
+            </a:pPr>
+            <a:r>
+              <a:rPr lang="en" sz="1400"/>
+              <a:t>Why do couples sleep in separate beds?</a:t>
+            </a:r>
+            <a:endParaRPr sz="1400"/>
+          </a:p>
+          <a:p>
+            <a:pPr indent="0" lvl="0" marL="914400" rtl="0" algn="l">
+              <a:lnSpc>
+                <a:spcPct val="105000"/>
+              </a:lnSpc>
+              <a:spcBef>
+                <a:spcPts val="1200"/>
+              </a:spcBef>
+              <a:spcAft>
+                <a:spcPts val="0"/>
+              </a:spcAft>
+              <a:buNone/>
+            </a:pPr>
+            <a:r>
+              <a:t/>
+            </a:r>
+            <a:endParaRPr sz="1400"/>
+          </a:p>
+          <a:p>
+            <a:pPr indent="-330200" lvl="0" marL="457200" rtl="0" algn="l">
+              <a:lnSpc>
+                <a:spcPct val="105000"/>
+              </a:lnSpc>
+              <a:spcBef>
+                <a:spcPts val="1200"/>
+              </a:spcBef>
+              <a:spcAft>
+                <a:spcPts val="0"/>
+              </a:spcAft>
+              <a:buSzPts val="1600"/>
+              <a:buChar char="●"/>
+            </a:pPr>
+            <a:r>
+              <a:rPr lang="en" sz="1600"/>
+              <a:t>D</a:t>
+            </a:r>
+            <a:r>
+              <a:rPr lang="en" sz="1600"/>
+              <a:t>ata is from survey created in 2014 by Mona Chalabi as research for an article for FiveThirtyEight (from ABC News)</a:t>
+            </a:r>
+            <a:endParaRPr sz="1600"/>
+          </a:p>
+          <a:p>
+            <a:pPr indent="0" lvl="0" marL="457200" rtl="0" algn="l">
+              <a:lnSpc>
+                <a:spcPct val="105000"/>
+              </a:lnSpc>
+              <a:spcBef>
+                <a:spcPts val="1200"/>
+              </a:spcBef>
+              <a:spcAft>
+                <a:spcPts val="0"/>
+              </a:spcAft>
+              <a:buNone/>
+            </a:pPr>
+            <a:r>
+              <a:t/>
+            </a:r>
+            <a:endParaRPr sz="1600"/>
+          </a:p>
+          <a:p>
+            <a:pPr indent="-330200" lvl="0" marL="457200" rtl="0" algn="l">
+              <a:lnSpc>
+                <a:spcPct val="105000"/>
+              </a:lnSpc>
+              <a:spcBef>
+                <a:spcPts val="1200"/>
+              </a:spcBef>
+              <a:spcAft>
+                <a:spcPts val="0"/>
+              </a:spcAft>
+              <a:buSzPts val="1600"/>
+              <a:buChar char="●"/>
+            </a:pPr>
+            <a:r>
+              <a:rPr lang="en" sz="1600"/>
+              <a:t>The population from which this sample was drawn includes 1,057 American adults who were married, in a domestic partnership, in civil union or cohabiting with a significant other</a:t>
+            </a:r>
+            <a:endParaRPr sz="1600"/>
           </a:p>
         </p:txBody>
       </p:sp>
@@ -11711,6 +11903,285 @@
 </file>
 
 <file path=ppt/theme/theme1.xml><?xml version="1.0" encoding="utf-8"?>
+<a:theme xmlns:a="http://schemas.openxmlformats.org/drawingml/2006/main" xmlns:r="http://schemas.openxmlformats.org/officeDocument/2006/relationships">
+  <a:themeElements>
+    <a:clrScheme name="Default">
+      <a:dk1>
+        <a:srgbClr val="000000"/>
+      </a:dk1>
+      <a:lt1>
+        <a:srgbClr val="FFFFFF"/>
+      </a:lt1>
+      <a:dk2>
+        <a:srgbClr val="158158"/>
+      </a:dk2>
+      <a:lt2>
+        <a:srgbClr val="F3F3F3"/>
+      </a:lt2>
+      <a:accent1>
+        <a:srgbClr val="058DC7"/>
+      </a:accent1>
+      <a:accent2>
+        <a:srgbClr val="50B432"/>
+      </a:accent2>
+      <a:accent3>
+        <a:srgbClr val="ED561B"/>
+      </a:accent3>
+      <a:accent4>
+        <a:srgbClr val="EDEF00"/>
+      </a:accent4>
+      <a:accent5>
+        <a:srgbClr val="24CBE5"/>
+      </a:accent5>
+      <a:accent6>
+        <a:srgbClr val="64E572"/>
+      </a:accent6>
+      <a:hlink>
+        <a:srgbClr val="2200CC"/>
+      </a:hlink>
+      <a:folHlink>
+        <a:srgbClr val="551A8B"/>
+      </a:folHlink>
+    </a:clrScheme>
+    <a:fontScheme name="Office">
+      <a:majorFont>
+        <a:latin typeface="Arial"/>
+        <a:ea typeface=""/>
+        <a:cs typeface=""/>
+        <a:font script="Jpan" typeface="ＭＳ Ｐゴシック"/>
+        <a:font script="Hang" typeface="맑은 고딕"/>
+        <a:font script="Hans" typeface="宋体"/>
+        <a:font script="Hant" typeface="新細明體"/>
+        <a:font script="Arab" typeface="Times New Roman"/>
+        <a:font script="Hebr" typeface="Times New Roman"/>
+        <a:font script="Thai" typeface="Angsana New"/>
+        <a:font script="Ethi" typeface="Nyala"/>
+        <a:font script="Beng" typeface="Vrinda"/>
+        <a:font script="Gujr" typeface="Shruti"/>
+        <a:font script="Khmr" typeface="MoolBoran"/>
+        <a:font script="Knda" typeface="Tunga"/>
+        <a:font script="Guru" typeface="Raavi"/>
+        <a:font script="Cans" typeface="Euphemia"/>
+        <a:font script="Cher" typeface="Plantagenet Cherokee"/>
+        <a:font script="Yiii" typeface="Microsoft Yi Baiti"/>
+        <a:font script="Tibt" typeface="Microsoft Himalaya"/>
+        <a:font script="Thaa" typeface="MV Boli"/>
+        <a:font script="Deva" typeface="Mangal"/>
+        <a:font script="Telu" typeface="Gautami"/>
+        <a:font script="Taml" typeface="Latha"/>
+        <a:font script="Syrc" typeface="Estrangelo Edessa"/>
+        <a:font script="Orya" typeface="Kalinga"/>
+        <a:font script="Mlym" typeface="Kartika"/>
+        <a:font script="Laoo" typeface="DokChampa"/>
+        <a:font script="Sinh" typeface="Iskoola Pota"/>
+        <a:font script="Mong" typeface="Mongolian Baiti"/>
+        <a:font script="Viet" typeface="Times New Roman"/>
+        <a:font script="Uigh" typeface="Microsoft Uighur"/>
+        <a:font script="Geor" typeface="Sylfaen"/>
+      </a:majorFont>
+      <a:minorFont>
+        <a:latin typeface="Arial"/>
+        <a:ea typeface=""/>
+        <a:cs typeface=""/>
+        <a:font script="Jpan" typeface="ＭＳ Ｐゴシック"/>
+        <a:font script="Hang" typeface="맑은 고딕"/>
+        <a:font script="Hans" typeface="宋体"/>
+        <a:font script="Hant" typeface="新細明體"/>
+        <a:font script="Arab" typeface="Arial"/>
+        <a:font script="Hebr" typeface="Arial"/>
+        <a:font script="Thai" typeface="Cordia New"/>
+        <a:font script="Ethi" typeface="Nyala"/>
+        <a:font script="Beng" typeface="Vrinda"/>
+        <a:font script="Gujr" typeface="Shruti"/>
+        <a:font script="Khmr" typeface="DaunPenh"/>
+        <a:font script="Knda" typeface="Tunga"/>
+        <a:font script="Guru" typeface="Raavi"/>
+        <a:font script="Cans" typeface="Euphemia"/>
+        <a:font script="Cher" typeface="Plantagenet Cherokee"/>
+        <a:font script="Yiii" typeface="Microsoft Yi Baiti"/>
+        <a:font script="Tibt" typeface="Microsoft Himalaya"/>
+        <a:font script="Thaa" typeface="MV Boli"/>
+        <a:font script="Deva" typeface="Mangal"/>
+        <a:font script="Telu" typeface="Gautami"/>
+        <a:font script="Taml" typeface="Latha"/>
+        <a:font script="Syrc" typeface="Estrangelo Edessa"/>
+        <a:font script="Orya" typeface="Kalinga"/>
+        <a:font script="Mlym" typeface="Kartika"/>
+        <a:font script="Laoo" typeface="DokChampa"/>
+        <a:font script="Sinh" typeface="Iskoola Pota"/>
+        <a:font script="Mong" typeface="Mongolian Baiti"/>
+        <a:font script="Viet" typeface="Arial"/>
+        <a:font script="Uigh" typeface="Microsoft Uighur"/>
+        <a:font script="Geor" typeface="Sylfaen"/>
+      </a:minorFont>
+    </a:fontScheme>
+    <a:fmtScheme name="Office">
+      <a:fillStyleLst>
+        <a:solidFill>
+          <a:schemeClr val="phClr"/>
+        </a:solidFill>
+        <a:gradFill rotWithShape="1">
+          <a:gsLst>
+            <a:gs pos="0">
+              <a:schemeClr val="phClr">
+                <a:tint val="50000"/>
+                <a:satMod val="300000"/>
+              </a:schemeClr>
+            </a:gs>
+            <a:gs pos="35000">
+              <a:schemeClr val="phClr">
+                <a:tint val="37000"/>
+                <a:satMod val="300000"/>
+              </a:schemeClr>
+            </a:gs>
+            <a:gs pos="100000">
+              <a:schemeClr val="phClr">
+                <a:tint val="15000"/>
+                <a:satMod val="350000"/>
+              </a:schemeClr>
+            </a:gs>
+          </a:gsLst>
+          <a:lin ang="16200000" scaled="1"/>
+        </a:gradFill>
+        <a:gradFill rotWithShape="1">
+          <a:gsLst>
+            <a:gs pos="0">
+              <a:schemeClr val="phClr">
+                <a:tint val="100000"/>
+                <a:shade val="100000"/>
+                <a:satMod val="130000"/>
+              </a:schemeClr>
+            </a:gs>
+            <a:gs pos="100000">
+              <a:schemeClr val="phClr">
+                <a:tint val="50000"/>
+                <a:shade val="100000"/>
+                <a:satMod val="350000"/>
+              </a:schemeClr>
+            </a:gs>
+          </a:gsLst>
+          <a:lin ang="16200000" scaled="0"/>
+        </a:gradFill>
+      </a:fillStyleLst>
+      <a:lnStyleLst>
+        <a:ln w="9525" cap="flat" cmpd="sng" algn="ctr">
+          <a:solidFill>
+            <a:schemeClr val="phClr">
+              <a:shade val="95000"/>
+              <a:satMod val="105000"/>
+            </a:schemeClr>
+          </a:solidFill>
+          <a:prstDash val="solid"/>
+        </a:ln>
+        <a:ln w="25400" cap="flat" cmpd="sng" algn="ctr">
+          <a:solidFill>
+            <a:schemeClr val="phClr"/>
+          </a:solidFill>
+          <a:prstDash val="solid"/>
+        </a:ln>
+        <a:ln w="38100" cap="flat" cmpd="sng" algn="ctr">
+          <a:solidFill>
+            <a:schemeClr val="phClr"/>
+          </a:solidFill>
+          <a:prstDash val="solid"/>
+        </a:ln>
+      </a:lnStyleLst>
+      <a:effectStyleLst>
+        <a:effectStyle>
+          <a:effectLst>
+            <a:outerShdw blurRad="40000" dist="20000" dir="5400000" rotWithShape="0">
+              <a:srgbClr val="000000">
+                <a:alpha val="38000"/>
+              </a:srgbClr>
+            </a:outerShdw>
+          </a:effectLst>
+        </a:effectStyle>
+        <a:effectStyle>
+          <a:effectLst>
+            <a:outerShdw blurRad="40000" dist="23000" dir="5400000" rotWithShape="0">
+              <a:srgbClr val="000000">
+                <a:alpha val="35000"/>
+              </a:srgbClr>
+            </a:outerShdw>
+          </a:effectLst>
+        </a:effectStyle>
+        <a:effectStyle>
+          <a:effectLst>
+            <a:outerShdw blurRad="40000" dist="23000" dir="5400000" rotWithShape="0">
+              <a:srgbClr val="000000">
+                <a:alpha val="35000"/>
+              </a:srgbClr>
+            </a:outerShdw>
+          </a:effectLst>
+          <a:scene3d>
+            <a:camera prst="orthographicFront">
+              <a:rot lat="0" lon="0" rev="0"/>
+            </a:camera>
+            <a:lightRig rig="threePt" dir="t">
+              <a:rot lat="0" lon="0" rev="1200000"/>
+            </a:lightRig>
+          </a:scene3d>
+          <a:sp3d>
+            <a:bevelT w="63500" h="25400"/>
+          </a:sp3d>
+        </a:effectStyle>
+      </a:effectStyleLst>
+      <a:bgFillStyleLst>
+        <a:solidFill>
+          <a:schemeClr val="phClr"/>
+        </a:solidFill>
+        <a:gradFill rotWithShape="1">
+          <a:gsLst>
+            <a:gs pos="0">
+              <a:schemeClr val="phClr">
+                <a:tint val="40000"/>
+                <a:satMod val="350000"/>
+              </a:schemeClr>
+            </a:gs>
+            <a:gs pos="40000">
+              <a:schemeClr val="phClr">
+                <a:tint val="45000"/>
+                <a:shade val="99000"/>
+                <a:satMod val="350000"/>
+              </a:schemeClr>
+            </a:gs>
+            <a:gs pos="100000">
+              <a:schemeClr val="phClr">
+                <a:shade val="20000"/>
+                <a:satMod val="255000"/>
+              </a:schemeClr>
+            </a:gs>
+          </a:gsLst>
+          <a:path path="circle">
+            <a:fillToRect l="50000" t="-80000" r="50000" b="180000"/>
+          </a:path>
+        </a:gradFill>
+        <a:gradFill rotWithShape="1">
+          <a:gsLst>
+            <a:gs pos="0">
+              <a:schemeClr val="phClr">
+                <a:tint val="80000"/>
+                <a:satMod val="300000"/>
+              </a:schemeClr>
+            </a:gs>
+            <a:gs pos="100000">
+              <a:schemeClr val="phClr">
+                <a:shade val="30000"/>
+                <a:satMod val="200000"/>
+              </a:schemeClr>
+            </a:gs>
+          </a:gsLst>
+          <a:path path="circle">
+            <a:fillToRect l="50000" t="50000" r="50000" b="50000"/>
+          </a:path>
+        </a:gradFill>
+      </a:bgFillStyleLst>
+    </a:fmtScheme>
+  </a:themeElements>
+</a:theme>
+</file>
+
+<file path=ppt/theme/theme2.xml><?xml version="1.0" encoding="utf-8"?>
 <a:theme xmlns:a="http://schemas.openxmlformats.org/drawingml/2006/main" xmlns:r="http://schemas.openxmlformats.org/officeDocument/2006/relationships" name="Focus">
   <a:themeElements>
     <a:clrScheme name="Focus">
@@ -11987,283 +12458,4 @@
     </a:fmtScheme>
   </a:themeElements>
 </a:theme>
-</file>
-
-<file path=ppt/theme/theme2.xml><?xml version="1.0" encoding="utf-8"?>
-<a:theme xmlns:a="http://schemas.openxmlformats.org/drawingml/2006/main" xmlns:r="http://schemas.openxmlformats.org/officeDocument/2006/relationships">
-  <a:themeElements>
-    <a:clrScheme name="Default">
-      <a:dk1>
-        <a:srgbClr val="000000"/>
-      </a:dk1>
-      <a:lt1>
-        <a:srgbClr val="FFFFFF"/>
-      </a:lt1>
-      <a:dk2>
-        <a:srgbClr val="158158"/>
-      </a:dk2>
-      <a:lt2>
-        <a:srgbClr val="F3F3F3"/>
-      </a:lt2>
-      <a:accent1>
-        <a:srgbClr val="058DC7"/>
-      </a:accent1>
-      <a:accent2>
-        <a:srgbClr val="50B432"/>
-      </a:accent2>
-      <a:accent3>
-        <a:srgbClr val="ED561B"/>
-      </a:accent3>
-      <a:accent4>
-        <a:srgbClr val="EDEF00"/>
-      </a:accent4>
-      <a:accent5>
-        <a:srgbClr val="24CBE5"/>
-      </a:accent5>
-      <a:accent6>
-        <a:srgbClr val="64E572"/>
-      </a:accent6>
-      <a:hlink>
-        <a:srgbClr val="2200CC"/>
-      </a:hlink>
-      <a:folHlink>
-        <a:srgbClr val="551A8B"/>
-      </a:folHlink>
-    </a:clrScheme>
-    <a:fontScheme name="Office">
-      <a:majorFont>
-        <a:latin typeface="Arial"/>
-        <a:ea typeface=""/>
-        <a:cs typeface=""/>
-        <a:font script="Jpan" typeface="ＭＳ Ｐゴシック"/>
-        <a:font script="Hang" typeface="맑은 고딕"/>
-        <a:font script="Hans" typeface="宋体"/>
-        <a:font script="Hant" typeface="新細明體"/>
-        <a:font script="Arab" typeface="Times New Roman"/>
-        <a:font script="Hebr" typeface="Times New Roman"/>
-        <a:font script="Thai" typeface="Angsana New"/>
-        <a:font script="Ethi" typeface="Nyala"/>
-        <a:font script="Beng" typeface="Vrinda"/>
-        <a:font script="Gujr" typeface="Shruti"/>
-        <a:font script="Khmr" typeface="MoolBoran"/>
-        <a:font script="Knda" typeface="Tunga"/>
-        <a:font script="Guru" typeface="Raavi"/>
-        <a:font script="Cans" typeface="Euphemia"/>
-        <a:font script="Cher" typeface="Plantagenet Cherokee"/>
-        <a:font script="Yiii" typeface="Microsoft Yi Baiti"/>
-        <a:font script="Tibt" typeface="Microsoft Himalaya"/>
-        <a:font script="Thaa" typeface="MV Boli"/>
-        <a:font script="Deva" typeface="Mangal"/>
-        <a:font script="Telu" typeface="Gautami"/>
-        <a:font script="Taml" typeface="Latha"/>
-        <a:font script="Syrc" typeface="Estrangelo Edessa"/>
-        <a:font script="Orya" typeface="Kalinga"/>
-        <a:font script="Mlym" typeface="Kartika"/>
-        <a:font script="Laoo" typeface="DokChampa"/>
-        <a:font script="Sinh" typeface="Iskoola Pota"/>
-        <a:font script="Mong" typeface="Mongolian Baiti"/>
-        <a:font script="Viet" typeface="Times New Roman"/>
-        <a:font script="Uigh" typeface="Microsoft Uighur"/>
-        <a:font script="Geor" typeface="Sylfaen"/>
-      </a:majorFont>
-      <a:minorFont>
-        <a:latin typeface="Arial"/>
-        <a:ea typeface=""/>
-        <a:cs typeface=""/>
-        <a:font script="Jpan" typeface="ＭＳ Ｐゴシック"/>
-        <a:font script="Hang" typeface="맑은 고딕"/>
-        <a:font script="Hans" typeface="宋体"/>
-        <a:font script="Hant" typeface="新細明體"/>
-        <a:font script="Arab" typeface="Arial"/>
-        <a:font script="Hebr" typeface="Arial"/>
-        <a:font script="Thai" typeface="Cordia New"/>
-        <a:font script="Ethi" typeface="Nyala"/>
-        <a:font script="Beng" typeface="Vrinda"/>
-        <a:font script="Gujr" typeface="Shruti"/>
-        <a:font script="Khmr" typeface="DaunPenh"/>
-        <a:font script="Knda" typeface="Tunga"/>
-        <a:font script="Guru" typeface="Raavi"/>
-        <a:font script="Cans" typeface="Euphemia"/>
-        <a:font script="Cher" typeface="Plantagenet Cherokee"/>
-        <a:font script="Yiii" typeface="Microsoft Yi Baiti"/>
-        <a:font script="Tibt" typeface="Microsoft Himalaya"/>
-        <a:font script="Thaa" typeface="MV Boli"/>
-        <a:font script="Deva" typeface="Mangal"/>
-        <a:font script="Telu" typeface="Gautami"/>
-        <a:font script="Taml" typeface="Latha"/>
-        <a:font script="Syrc" typeface="Estrangelo Edessa"/>
-        <a:font script="Orya" typeface="Kalinga"/>
-        <a:font script="Mlym" typeface="Kartika"/>
-        <a:font script="Laoo" typeface="DokChampa"/>
-        <a:font script="Sinh" typeface="Iskoola Pota"/>
-        <a:font script="Mong" typeface="Mongolian Baiti"/>
-        <a:font script="Viet" typeface="Arial"/>
-        <a:font script="Uigh" typeface="Microsoft Uighur"/>
-        <a:font script="Geor" typeface="Sylfaen"/>
-      </a:minorFont>
-    </a:fontScheme>
-    <a:fmtScheme name="Office">
-      <a:fillStyleLst>
-        <a:solidFill>
-          <a:schemeClr val="phClr"/>
-        </a:solidFill>
-        <a:gradFill rotWithShape="1">
-          <a:gsLst>
-            <a:gs pos="0">
-              <a:schemeClr val="phClr">
-                <a:tint val="50000"/>
-                <a:satMod val="300000"/>
-              </a:schemeClr>
-            </a:gs>
-            <a:gs pos="35000">
-              <a:schemeClr val="phClr">
-                <a:tint val="37000"/>
-                <a:satMod val="300000"/>
-              </a:schemeClr>
-            </a:gs>
-            <a:gs pos="100000">
-              <a:schemeClr val="phClr">
-                <a:tint val="15000"/>
-                <a:satMod val="350000"/>
-              </a:schemeClr>
-            </a:gs>
-          </a:gsLst>
-          <a:lin ang="16200000" scaled="1"/>
-        </a:gradFill>
-        <a:gradFill rotWithShape="1">
-          <a:gsLst>
-            <a:gs pos="0">
-              <a:schemeClr val="phClr">
-                <a:tint val="100000"/>
-                <a:shade val="100000"/>
-                <a:satMod val="130000"/>
-              </a:schemeClr>
-            </a:gs>
-            <a:gs pos="100000">
-              <a:schemeClr val="phClr">
-                <a:tint val="50000"/>
-                <a:shade val="100000"/>
-                <a:satMod val="350000"/>
-              </a:schemeClr>
-            </a:gs>
-          </a:gsLst>
-          <a:lin ang="16200000" scaled="0"/>
-        </a:gradFill>
-      </a:fillStyleLst>
-      <a:lnStyleLst>
-        <a:ln w="9525" cap="flat" cmpd="sng" algn="ctr">
-          <a:solidFill>
-            <a:schemeClr val="phClr">
-              <a:shade val="95000"/>
-              <a:satMod val="105000"/>
-            </a:schemeClr>
-          </a:solidFill>
-          <a:prstDash val="solid"/>
-        </a:ln>
-        <a:ln w="25400" cap="flat" cmpd="sng" algn="ctr">
-          <a:solidFill>
-            <a:schemeClr val="phClr"/>
-          </a:solidFill>
-          <a:prstDash val="solid"/>
-        </a:ln>
-        <a:ln w="38100" cap="flat" cmpd="sng" algn="ctr">
-          <a:solidFill>
-            <a:schemeClr val="phClr"/>
-          </a:solidFill>
-          <a:prstDash val="solid"/>
-        </a:ln>
-      </a:lnStyleLst>
-      <a:effectStyleLst>
-        <a:effectStyle>
-          <a:effectLst>
-            <a:outerShdw blurRad="40000" dist="20000" dir="5400000" rotWithShape="0">
-              <a:srgbClr val="000000">
-                <a:alpha val="38000"/>
-              </a:srgbClr>
-            </a:outerShdw>
-          </a:effectLst>
-        </a:effectStyle>
-        <a:effectStyle>
-          <a:effectLst>
-            <a:outerShdw blurRad="40000" dist="23000" dir="5400000" rotWithShape="0">
-              <a:srgbClr val="000000">
-                <a:alpha val="35000"/>
-              </a:srgbClr>
-            </a:outerShdw>
-          </a:effectLst>
-        </a:effectStyle>
-        <a:effectStyle>
-          <a:effectLst>
-            <a:outerShdw blurRad="40000" dist="23000" dir="5400000" rotWithShape="0">
-              <a:srgbClr val="000000">
-                <a:alpha val="35000"/>
-              </a:srgbClr>
-            </a:outerShdw>
-          </a:effectLst>
-          <a:scene3d>
-            <a:camera prst="orthographicFront">
-              <a:rot lat="0" lon="0" rev="0"/>
-            </a:camera>
-            <a:lightRig rig="threePt" dir="t">
-              <a:rot lat="0" lon="0" rev="1200000"/>
-            </a:lightRig>
-          </a:scene3d>
-          <a:sp3d>
-            <a:bevelT w="63500" h="25400"/>
-          </a:sp3d>
-        </a:effectStyle>
-      </a:effectStyleLst>
-      <a:bgFillStyleLst>
-        <a:solidFill>
-          <a:schemeClr val="phClr"/>
-        </a:solidFill>
-        <a:gradFill rotWithShape="1">
-          <a:gsLst>
-            <a:gs pos="0">
-              <a:schemeClr val="phClr">
-                <a:tint val="40000"/>
-                <a:satMod val="350000"/>
-              </a:schemeClr>
-            </a:gs>
-            <a:gs pos="40000">
-              <a:schemeClr val="phClr">
-                <a:tint val="45000"/>
-                <a:shade val="99000"/>
-                <a:satMod val="350000"/>
-              </a:schemeClr>
-            </a:gs>
-            <a:gs pos="100000">
-              <a:schemeClr val="phClr">
-                <a:shade val="20000"/>
-                <a:satMod val="255000"/>
-              </a:schemeClr>
-            </a:gs>
-          </a:gsLst>
-          <a:path path="circle">
-            <a:fillToRect l="50000" t="-80000" r="50000" b="180000"/>
-          </a:path>
-        </a:gradFill>
-        <a:gradFill rotWithShape="1">
-          <a:gsLst>
-            <a:gs pos="0">
-              <a:schemeClr val="phClr">
-                <a:tint val="80000"/>
-                <a:satMod val="300000"/>
-              </a:schemeClr>
-            </a:gs>
-            <a:gs pos="100000">
-              <a:schemeClr val="phClr">
-                <a:shade val="30000"/>
-                <a:satMod val="200000"/>
-              </a:schemeClr>
-            </a:gs>
-          </a:gsLst>
-          <a:path path="circle">
-            <a:fillToRect l="50000" t="50000" r="50000" b="50000"/>
-          </a:path>
-        </a:gradFill>
-      </a:bgFillStyleLst>
-    </a:fmtScheme>
-  </a:themeElements>
-</a:theme>
 </file>